--- a/presentations/Paper_Parser_Poster.pptx
+++ b/presentations/Paper_Parser_Poster.pptx
@@ -4868,21 +4868,25 @@
       </p:pic>
       <p:sp>
         <p:nvSpPr>
-          <p:cNvPr id="162" name="Material Identifier"/>
+          <p:cNvPr id="165" name="PCE"/>
           <p:cNvSpPr/>
           <p:nvPr/>
         </p:nvSpPr>
         <p:spPr>
           <a:xfrm>
-            <a:off x="36021278" y="6984598"/>
-            <a:ext cx="3133806" cy="597353"/>
+            <a:off x="39938817" y="10383715"/>
+            <a:ext cx="1131676" cy="594360"/>
           </a:xfrm>
           <a:prstGeom prst="roundRect">
             <a:avLst>
               <a:gd name="adj" fmla="val 50000"/>
             </a:avLst>
           </a:prstGeom>
-          <a:ln/>
+          <a:ln w="63500">
+            <a:solidFill>
+              <a:schemeClr val="accent2"/>
+            </a:solidFill>
+          </a:ln>
           <a:extLst>
             <a:ext uri="{C572A759-6A51-4108-AA02-DFA0A04FC94B}">
               <ma14:wrappingTextBoxFlag xmlns:ma14="http://schemas.microsoft.com/office/mac/drawingml/2011/main" xmlns:a14="http://schemas.microsoft.com/office/drawing/2010/main" xmlns:m="http://schemas.openxmlformats.org/officeDocument/2006/math" xmlns="" val="1"/>
@@ -4917,29 +4921,33 @@
           </a:lstStyle>
           <a:p>
             <a:r>
-              <a:rPr sz="3000" dirty="0"/>
-              <a:t>Material Identifier</a:t>
+              <a:rPr sz="2600" dirty="0"/>
+              <a:t>PCE</a:t>
             </a:r>
           </a:p>
         </p:txBody>
       </p:sp>
       <p:sp>
         <p:nvSpPr>
-          <p:cNvPr id="163" name="Synthesis"/>
+          <p:cNvPr id="166" name="JSC"/>
           <p:cNvSpPr/>
           <p:nvPr/>
         </p:nvSpPr>
         <p:spPr>
           <a:xfrm>
-            <a:off x="34435946" y="7896904"/>
-            <a:ext cx="1698959" cy="594360"/>
+            <a:off x="40886972" y="9661200"/>
+            <a:ext cx="1131677" cy="594360"/>
           </a:xfrm>
           <a:prstGeom prst="roundRect">
             <a:avLst>
               <a:gd name="adj" fmla="val 50000"/>
             </a:avLst>
           </a:prstGeom>
-          <a:ln/>
+          <a:ln w="63500">
+            <a:solidFill>
+              <a:schemeClr val="accent2"/>
+            </a:solidFill>
+          </a:ln>
           <a:extLst>
             <a:ext uri="{C572A759-6A51-4108-AA02-DFA0A04FC94B}">
               <ma14:wrappingTextBoxFlag xmlns:ma14="http://schemas.microsoft.com/office/mac/drawingml/2011/main" xmlns:a14="http://schemas.microsoft.com/office/drawing/2010/main" xmlns:m="http://schemas.openxmlformats.org/officeDocument/2006/math" xmlns="" val="1"/>
@@ -4974,29 +4982,33 @@
           </a:lstStyle>
           <a:p>
             <a:r>
-              <a:rPr dirty="0"/>
-              <a:t>Synthesis </a:t>
+              <a:rPr sz="2600" dirty="0"/>
+              <a:t>JSC</a:t>
             </a:r>
           </a:p>
         </p:txBody>
       </p:sp>
       <p:sp>
         <p:nvSpPr>
-          <p:cNvPr id="164" name="Device Performance"/>
+          <p:cNvPr id="167" name="VOC"/>
           <p:cNvSpPr/>
           <p:nvPr/>
         </p:nvSpPr>
         <p:spPr>
           <a:xfrm>
-            <a:off x="38907058" y="7901843"/>
-            <a:ext cx="3354059" cy="594360"/>
+            <a:off x="41835128" y="8938684"/>
+            <a:ext cx="1241034" cy="594360"/>
           </a:xfrm>
           <a:prstGeom prst="roundRect">
             <a:avLst>
               <a:gd name="adj" fmla="val 50000"/>
             </a:avLst>
           </a:prstGeom>
-          <a:ln/>
+          <a:ln w="63500">
+            <a:solidFill>
+              <a:schemeClr val="accent2"/>
+            </a:solidFill>
+          </a:ln>
           <a:extLst>
             <a:ext uri="{C572A759-6A51-4108-AA02-DFA0A04FC94B}">
               <ma14:wrappingTextBoxFlag xmlns:ma14="http://schemas.microsoft.com/office/mac/drawingml/2011/main" xmlns:a14="http://schemas.microsoft.com/office/drawing/2010/main" xmlns:m="http://schemas.openxmlformats.org/officeDocument/2006/math" xmlns="" val="1"/>
@@ -5031,29 +5043,33 @@
           </a:lstStyle>
           <a:p>
             <a:r>
-              <a:rPr dirty="0"/>
-              <a:t>Device Performance</a:t>
+              <a:rPr sz="2600" dirty="0"/>
+              <a:t>VOC</a:t>
             </a:r>
           </a:p>
         </p:txBody>
       </p:sp>
       <p:sp>
         <p:nvSpPr>
-          <p:cNvPr id="165" name="PCE"/>
+          <p:cNvPr id="168" name="Step Order"/>
           <p:cNvSpPr/>
           <p:nvPr/>
         </p:nvSpPr>
         <p:spPr>
           <a:xfrm>
-            <a:off x="39967333" y="11439512"/>
-            <a:ext cx="1131676" cy="594360"/>
+            <a:off x="37124558" y="9265387"/>
+            <a:ext cx="2085973" cy="594360"/>
           </a:xfrm>
           <a:prstGeom prst="roundRect">
             <a:avLst>
               <a:gd name="adj" fmla="val 50000"/>
             </a:avLst>
           </a:prstGeom>
-          <a:ln/>
+          <a:ln w="63500">
+            <a:solidFill>
+              <a:schemeClr val="accent1"/>
+            </a:solidFill>
+          </a:ln>
           <a:extLst>
             <a:ext uri="{C572A759-6A51-4108-AA02-DFA0A04FC94B}">
               <ma14:wrappingTextBoxFlag xmlns:ma14="http://schemas.microsoft.com/office/mac/drawingml/2011/main" xmlns:a14="http://schemas.microsoft.com/office/drawing/2010/main" xmlns:m="http://schemas.openxmlformats.org/officeDocument/2006/math" xmlns="" val="1"/>
@@ -5089,28 +5105,35 @@
           <a:p>
             <a:r>
               <a:rPr sz="2600" dirty="0"/>
-              <a:t>PCE</a:t>
+              <a:t>Step Order</a:t>
             </a:r>
           </a:p>
         </p:txBody>
       </p:sp>
       <p:sp>
         <p:nvSpPr>
-          <p:cNvPr id="166" name="JSC"/>
+          <p:cNvPr id="177" name="speed"/>
           <p:cNvSpPr/>
           <p:nvPr/>
         </p:nvSpPr>
         <p:spPr>
           <a:xfrm>
-            <a:off x="40733894" y="10078494"/>
-            <a:ext cx="1131677" cy="594360"/>
+            <a:off x="32529175" y="11076325"/>
+            <a:ext cx="1242672" cy="594360"/>
           </a:xfrm>
           <a:prstGeom prst="roundRect">
             <a:avLst>
               <a:gd name="adj" fmla="val 50000"/>
             </a:avLst>
           </a:prstGeom>
-          <a:ln/>
+          <a:ln w="50800">
+            <a:solidFill>
+              <a:schemeClr val="accent1">
+                <a:lumMod val="60000"/>
+                <a:lumOff val="40000"/>
+              </a:schemeClr>
+            </a:solidFill>
+          </a:ln>
           <a:extLst>
             <a:ext uri="{C572A759-6A51-4108-AA02-DFA0A04FC94B}">
               <ma14:wrappingTextBoxFlag xmlns:ma14="http://schemas.microsoft.com/office/mac/drawingml/2011/main" xmlns:a14="http://schemas.microsoft.com/office/drawing/2010/main" xmlns:m="http://schemas.openxmlformats.org/officeDocument/2006/math" xmlns="" val="1"/>
@@ -5145,29 +5168,36 @@
           </a:lstStyle>
           <a:p>
             <a:r>
-              <a:rPr sz="2600" dirty="0"/>
-              <a:t>JSC</a:t>
+              <a:rPr sz="2500" dirty="0"/>
+              <a:t>speed </a:t>
             </a:r>
           </a:p>
         </p:txBody>
       </p:sp>
       <p:sp>
         <p:nvSpPr>
-          <p:cNvPr id="167" name="VOC"/>
+          <p:cNvPr id="179" name="time"/>
           <p:cNvSpPr/>
           <p:nvPr/>
         </p:nvSpPr>
         <p:spPr>
           <a:xfrm>
-            <a:off x="41650021" y="8853060"/>
-            <a:ext cx="1241034" cy="594360"/>
+            <a:off x="33900851" y="11940439"/>
+            <a:ext cx="1019251" cy="594360"/>
           </a:xfrm>
           <a:prstGeom prst="roundRect">
             <a:avLst>
               <a:gd name="adj" fmla="val 50000"/>
             </a:avLst>
           </a:prstGeom>
-          <a:ln/>
+          <a:ln w="50800">
+            <a:solidFill>
+              <a:schemeClr val="accent1">
+                <a:lumMod val="60000"/>
+                <a:lumOff val="40000"/>
+              </a:schemeClr>
+            </a:solidFill>
+          </a:ln>
           <a:extLst>
             <a:ext uri="{C572A759-6A51-4108-AA02-DFA0A04FC94B}">
               <ma14:wrappingTextBoxFlag xmlns:ma14="http://schemas.microsoft.com/office/mac/drawingml/2011/main" xmlns:a14="http://schemas.microsoft.com/office/drawing/2010/main" xmlns:m="http://schemas.openxmlformats.org/officeDocument/2006/math" xmlns="" val="1"/>
@@ -5202,26 +5232,26 @@
           </a:lstStyle>
           <a:p>
             <a:r>
-              <a:rPr sz="2600"/>
-              <a:t>VOC</a:t>
+              <a:rPr sz="2500" dirty="0"/>
+              <a:t>time </a:t>
             </a:r>
           </a:p>
         </p:txBody>
       </p:sp>
       <p:sp>
         <p:nvSpPr>
-          <p:cNvPr id="168" name="Step Order"/>
+          <p:cNvPr id="182" name="value, units"/>
           <p:cNvSpPr/>
           <p:nvPr/>
         </p:nvSpPr>
         <p:spPr>
           <a:xfrm>
-            <a:off x="36053063" y="8807088"/>
-            <a:ext cx="2085973" cy="594360"/>
+            <a:off x="36854222" y="13521299"/>
+            <a:ext cx="1111727" cy="947680"/>
           </a:xfrm>
           <a:prstGeom prst="roundRect">
             <a:avLst>
-              <a:gd name="adj" fmla="val 50000"/>
+              <a:gd name="adj" fmla="val 35381"/>
             </a:avLst>
           </a:prstGeom>
           <a:ln/>
@@ -5259,29 +5289,36 @@
           </a:lstStyle>
           <a:p>
             <a:r>
-              <a:rPr sz="2600" dirty="0"/>
-              <a:t>Step Order</a:t>
+              <a:rPr sz="2400" dirty="0"/>
+              <a:t>value, units</a:t>
             </a:r>
           </a:p>
         </p:txBody>
       </p:sp>
       <p:sp>
         <p:nvSpPr>
-          <p:cNvPr id="169" name="1. Anneal"/>
+          <p:cNvPr id="184" name="temperature"/>
           <p:cNvSpPr/>
           <p:nvPr/>
         </p:nvSpPr>
         <p:spPr>
           <a:xfrm>
-            <a:off x="36974853" y="9444656"/>
-            <a:ext cx="1631518" cy="594360"/>
+            <a:off x="36124911" y="11560150"/>
+            <a:ext cx="2005759" cy="594360"/>
           </a:xfrm>
           <a:prstGeom prst="roundRect">
             <a:avLst>
               <a:gd name="adj" fmla="val 50000"/>
             </a:avLst>
           </a:prstGeom>
-          <a:ln/>
+          <a:ln w="50800">
+            <a:solidFill>
+              <a:schemeClr val="accent1">
+                <a:lumMod val="60000"/>
+                <a:lumOff val="40000"/>
+              </a:schemeClr>
+            </a:solidFill>
+          </a:ln>
           <a:extLst>
             <a:ext uri="{C572A759-6A51-4108-AA02-DFA0A04FC94B}">
               <ma14:wrappingTextBoxFlag xmlns:ma14="http://schemas.microsoft.com/office/mac/drawingml/2011/main" xmlns:a14="http://schemas.microsoft.com/office/drawing/2010/main" xmlns:m="http://schemas.openxmlformats.org/officeDocument/2006/math" xmlns="" val="1"/>
@@ -5316,25 +5353,114 @@
           </a:lstStyle>
           <a:p>
             <a:r>
-              <a:t>1. Anneal</a:t>
+              <a:rPr sz="2500" dirty="0"/>
+              <a:t>temperature</a:t>
             </a:r>
           </a:p>
         </p:txBody>
       </p:sp>
       <p:sp>
         <p:nvSpPr>
-          <p:cNvPr id="170" name="2. Spincoat"/>
+          <p:cNvPr id="68" name="3. ect…">
+            <a:extLst>
+              <a:ext uri="{FF2B5EF4-FFF2-40B4-BE49-F238E27FC236}">
+                <a16:creationId xmlns:a16="http://schemas.microsoft.com/office/drawing/2014/main" id="{8FDF2F7A-D612-AF44-84BD-62D41DFCEDD9}"/>
+              </a:ext>
+            </a:extLst>
+          </p:cNvPr>
           <p:cNvSpPr/>
           <p:nvPr/>
         </p:nvSpPr>
         <p:spPr>
           <a:xfrm>
-            <a:off x="37442188" y="10082224"/>
-            <a:ext cx="1923827" cy="594360"/>
+            <a:off x="32478830" y="8778429"/>
+            <a:ext cx="1903517" cy="940522"/>
           </a:xfrm>
           <a:prstGeom prst="roundRect">
             <a:avLst>
               <a:gd name="adj" fmla="val 50000"/>
+            </a:avLst>
+          </a:prstGeom>
+          <a:ln w="63500">
+            <a:solidFill>
+              <a:schemeClr val="accent1"/>
+            </a:solidFill>
+            <a:prstDash val="dash"/>
+          </a:ln>
+          <a:extLst>
+            <a:ext uri="{C572A759-6A51-4108-AA02-DFA0A04FC94B}">
+              <ma14:wrappingTextBoxFlag xmlns:ma14="http://schemas.microsoft.com/office/mac/drawingml/2011/main" xmlns:a14="http://schemas.microsoft.com/office/drawing/2010/main" xmlns:m="http://schemas.openxmlformats.org/officeDocument/2006/math" xmlns="" val="1"/>
+            </a:ext>
+          </a:extLst>
+        </p:spPr>
+        <p:style>
+          <a:lnRef idx="2">
+            <a:schemeClr val="dk1"/>
+          </a:lnRef>
+          <a:fillRef idx="1">
+            <a:schemeClr val="lt1"/>
+          </a:fillRef>
+          <a:effectRef idx="0">
+            <a:schemeClr val="dk1"/>
+          </a:effectRef>
+          <a:fontRef idx="minor">
+            <a:schemeClr val="dk1"/>
+          </a:fontRef>
+        </p:style>
+        <p:txBody>
+          <a:bodyPr lIns="45719" rIns="45719" anchor="ctr"/>
+          <a:lstStyle/>
+          <a:p>
+            <a:pPr algn="ctr">
+              <a:defRPr sz="2800">
+                <a:latin typeface="Gill Sans"/>
+                <a:ea typeface="Gill Sans"/>
+                <a:cs typeface="Gill Sans"/>
+                <a:sym typeface="Gill Sans"/>
+              </a:defRPr>
+            </a:pPr>
+            <a:r>
+              <a:rPr lang="en-US" sz="2600" i="1" dirty="0"/>
+              <a:t>Other steps</a:t>
+            </a:r>
+          </a:p>
+          <a:p>
+            <a:pPr algn="ctr">
+              <a:defRPr sz="2800">
+                <a:latin typeface="Gill Sans"/>
+                <a:ea typeface="Gill Sans"/>
+                <a:cs typeface="Gill Sans"/>
+                <a:sym typeface="Gill Sans"/>
+              </a:defRPr>
+            </a:pPr>
+            <a:r>
+              <a:rPr lang="en-US" sz="2600" i="1" dirty="0"/>
+              <a:t>labels...</a:t>
+            </a:r>
+            <a:endParaRPr sz="2600" i="1" dirty="0"/>
+          </a:p>
+        </p:txBody>
+      </p:sp>
+      <p:sp>
+        <p:nvSpPr>
+          <p:cNvPr id="69" name="value, units">
+            <a:extLst>
+              <a:ext uri="{FF2B5EF4-FFF2-40B4-BE49-F238E27FC236}">
+                <a16:creationId xmlns:a16="http://schemas.microsoft.com/office/drawing/2014/main" id="{34DDFCC7-97EA-6F41-9F3C-0FA407780B78}"/>
+              </a:ext>
+            </a:extLst>
+          </p:cNvPr>
+          <p:cNvSpPr/>
+          <p:nvPr/>
+        </p:nvSpPr>
+        <p:spPr>
+          <a:xfrm>
+            <a:off x="32621570" y="12708857"/>
+            <a:ext cx="1111727" cy="947680"/>
+          </a:xfrm>
+          <a:prstGeom prst="roundRect">
+            <a:avLst>
+              <a:gd name="adj" fmla="val 35381"/>
             </a:avLst>
           </a:prstGeom>
           <a:ln/>
@@ -5372,21 +5498,28 @@
           </a:lstStyle>
           <a:p>
             <a:r>
-              <a:t>2. Spincoat</a:t>
+              <a:rPr sz="2400" dirty="0"/>
+              <a:t>value, units</a:t>
             </a:r>
           </a:p>
         </p:txBody>
       </p:sp>
       <p:sp>
         <p:nvSpPr>
-          <p:cNvPr id="171" name="value, units"/>
+          <p:cNvPr id="70" name="value, units">
+            <a:extLst>
+              <a:ext uri="{FF2B5EF4-FFF2-40B4-BE49-F238E27FC236}">
+                <a16:creationId xmlns:a16="http://schemas.microsoft.com/office/drawing/2014/main" id="{27F1EE7D-2A4E-8A41-8D0C-2E4D06E9C0A4}"/>
+              </a:ext>
+            </a:extLst>
+          </p:cNvPr>
           <p:cNvSpPr/>
           <p:nvPr/>
         </p:nvSpPr>
         <p:spPr>
           <a:xfrm>
-            <a:off x="40678396" y="12723412"/>
-            <a:ext cx="1242672" cy="1200329"/>
+            <a:off x="34032454" y="13480299"/>
+            <a:ext cx="1111727" cy="947680"/>
           </a:xfrm>
           <a:prstGeom prst="roundRect">
             <a:avLst>
@@ -5428,7 +5561,7 @@
           </a:lstStyle>
           <a:p>
             <a:r>
-              <a:rPr sz="2400"/>
+              <a:rPr sz="2400" dirty="0"/>
               <a:t>value, units</a:t>
             </a:r>
           </a:p>
@@ -5436,73 +5569,20 @@
       </p:sp>
       <p:sp>
         <p:nvSpPr>
-          <p:cNvPr id="172" name="3. ect…"/>
+          <p:cNvPr id="71" name="value, units">
+            <a:extLst>
+              <a:ext uri="{FF2B5EF4-FFF2-40B4-BE49-F238E27FC236}">
+                <a16:creationId xmlns:a16="http://schemas.microsoft.com/office/drawing/2014/main" id="{8361EC86-FCE9-224D-888D-2F2EB7489C3E}"/>
+              </a:ext>
+            </a:extLst>
+          </p:cNvPr>
           <p:cNvSpPr/>
           <p:nvPr/>
         </p:nvSpPr>
         <p:spPr>
           <a:xfrm>
-            <a:off x="38201831" y="10719793"/>
-            <a:ext cx="1430601" cy="594360"/>
-          </a:xfrm>
-          <a:prstGeom prst="roundRect">
-            <a:avLst>
-              <a:gd name="adj" fmla="val 50000"/>
-            </a:avLst>
-          </a:prstGeom>
-          <a:ln/>
-          <a:extLst>
-            <a:ext uri="{C572A759-6A51-4108-AA02-DFA0A04FC94B}">
-              <ma14:wrappingTextBoxFlag xmlns:ma14="http://schemas.microsoft.com/office/mac/drawingml/2011/main" xmlns:a14="http://schemas.microsoft.com/office/drawing/2010/main" xmlns:m="http://schemas.openxmlformats.org/officeDocument/2006/math" xmlns="" val="1"/>
-            </a:ext>
-          </a:extLst>
-        </p:spPr>
-        <p:style>
-          <a:lnRef idx="2">
-            <a:schemeClr val="dk1"/>
-          </a:lnRef>
-          <a:fillRef idx="1">
-            <a:schemeClr val="lt1"/>
-          </a:fillRef>
-          <a:effectRef idx="0">
-            <a:schemeClr val="dk1"/>
-          </a:effectRef>
-          <a:fontRef idx="minor">
-            <a:schemeClr val="dk1"/>
-          </a:fontRef>
-        </p:style>
-        <p:txBody>
-          <a:bodyPr lIns="45719" rIns="45719" anchor="ctr"/>
-          <a:lstStyle/>
-          <a:p>
-            <a:pPr algn="ctr">
-              <a:defRPr sz="2800">
-                <a:latin typeface="Gill Sans"/>
-                <a:ea typeface="Gill Sans"/>
-                <a:cs typeface="Gill Sans"/>
-                <a:sym typeface="Gill Sans"/>
-              </a:defRPr>
-            </a:pPr>
-            <a:r>
-              <a:t>3. </a:t>
-            </a:r>
-            <a:r>
-              <a:rPr i="1"/>
-              <a:t>ect…</a:t>
-            </a:r>
-          </a:p>
-        </p:txBody>
-      </p:sp>
-      <p:sp>
-        <p:nvSpPr>
-          <p:cNvPr id="173" name="value, units"/>
-          <p:cNvSpPr/>
-          <p:nvPr/>
-        </p:nvSpPr>
-        <p:spPr>
-          <a:xfrm>
-            <a:off x="41672291" y="11378080"/>
-            <a:ext cx="1242672" cy="1200330"/>
+            <a:off x="35443338" y="12588110"/>
+            <a:ext cx="1111727" cy="947680"/>
           </a:xfrm>
           <a:prstGeom prst="roundRect">
             <a:avLst>
@@ -5544,7 +5624,7 @@
           </a:lstStyle>
           <a:p>
             <a:r>
-              <a:rPr sz="2400"/>
+              <a:rPr sz="2400" dirty="0"/>
               <a:t>value, units</a:t>
             </a:r>
           </a:p>
@@ -5552,14 +5632,20 @@
       </p:sp>
       <p:sp>
         <p:nvSpPr>
-          <p:cNvPr id="174" name="value, units"/>
+          <p:cNvPr id="72" name="value, units">
+            <a:extLst>
+              <a:ext uri="{FF2B5EF4-FFF2-40B4-BE49-F238E27FC236}">
+                <a16:creationId xmlns:a16="http://schemas.microsoft.com/office/drawing/2014/main" id="{77898F07-7C10-F643-B3CB-E3A2016B6AA9}"/>
+              </a:ext>
+            </a:extLst>
+          </p:cNvPr>
           <p:cNvSpPr/>
           <p:nvPr/>
         </p:nvSpPr>
         <p:spPr>
           <a:xfrm>
-            <a:off x="42095188" y="9771501"/>
-            <a:ext cx="1242673" cy="1200330"/>
+            <a:off x="41964435" y="11022124"/>
+            <a:ext cx="1111727" cy="947680"/>
           </a:xfrm>
           <a:prstGeom prst="roundRect">
             <a:avLst>
@@ -5609,18 +5695,24 @@
       </p:sp>
       <p:sp>
         <p:nvSpPr>
-          <p:cNvPr id="176" name="Spincoat"/>
+          <p:cNvPr id="73" name="value, units">
+            <a:extLst>
+              <a:ext uri="{FF2B5EF4-FFF2-40B4-BE49-F238E27FC236}">
+                <a16:creationId xmlns:a16="http://schemas.microsoft.com/office/drawing/2014/main" id="{C74E09E2-1673-3346-9C80-7016A6444DD5}"/>
+              </a:ext>
+            </a:extLst>
+          </p:cNvPr>
           <p:cNvSpPr/>
           <p:nvPr/>
         </p:nvSpPr>
         <p:spPr>
           <a:xfrm>
-            <a:off x="33007268" y="10214481"/>
-            <a:ext cx="1607246" cy="594360"/>
+            <a:off x="41089889" y="12276410"/>
+            <a:ext cx="1111727" cy="947680"/>
           </a:xfrm>
           <a:prstGeom prst="roundRect">
             <a:avLst>
-              <a:gd name="adj" fmla="val 50000"/>
+              <a:gd name="adj" fmla="val 35381"/>
             </a:avLst>
           </a:prstGeom>
           <a:ln/>
@@ -5658,30 +5750,32 @@
           </a:lstStyle>
           <a:p>
             <a:r>
-              <a:rPr sz="2600" dirty="0" err="1"/>
-              <a:t>Spincoat</a:t>
-            </a:r>
-            <a:r>
-              <a:rPr dirty="0"/>
-              <a:t> </a:t>
+              <a:rPr sz="2400" dirty="0"/>
+              <a:t>value, units</a:t>
             </a:r>
           </a:p>
         </p:txBody>
       </p:sp>
       <p:sp>
         <p:nvSpPr>
-          <p:cNvPr id="177" name="speed"/>
+          <p:cNvPr id="74" name="value, units">
+            <a:extLst>
+              <a:ext uri="{FF2B5EF4-FFF2-40B4-BE49-F238E27FC236}">
+                <a16:creationId xmlns:a16="http://schemas.microsoft.com/office/drawing/2014/main" id="{CEFC4C1D-669D-8343-B383-15794E95A873}"/>
+              </a:ext>
+            </a:extLst>
+          </p:cNvPr>
           <p:cNvSpPr/>
           <p:nvPr/>
         </p:nvSpPr>
         <p:spPr>
           <a:xfrm>
-            <a:off x="32640951" y="11450751"/>
-            <a:ext cx="1242672" cy="594360"/>
+            <a:off x="40215343" y="13550855"/>
+            <a:ext cx="1111727" cy="947680"/>
           </a:xfrm>
           <a:prstGeom prst="roundRect">
             <a:avLst>
-              <a:gd name="adj" fmla="val 50000"/>
+              <a:gd name="adj" fmla="val 35381"/>
             </a:avLst>
           </a:prstGeom>
           <a:ln/>
@@ -5719,29 +5813,579 @@
           </a:lstStyle>
           <a:p>
             <a:r>
-              <a:rPr sz="2500" dirty="0"/>
-              <a:t>speed </a:t>
+              <a:rPr sz="2400" dirty="0"/>
+              <a:t>value, units</a:t>
             </a:r>
           </a:p>
         </p:txBody>
       </p:sp>
+      <p:cxnSp>
+        <p:nvCxnSpPr>
+          <p:cNvPr id="3" name="Straight Arrow Connector 2">
+            <a:extLst>
+              <a:ext uri="{FF2B5EF4-FFF2-40B4-BE49-F238E27FC236}">
+                <a16:creationId xmlns:a16="http://schemas.microsoft.com/office/drawing/2014/main" id="{0F343F5F-F846-5B40-938F-1BC5FEF1E4AC}"/>
+              </a:ext>
+            </a:extLst>
+          </p:cNvPr>
+          <p:cNvCxnSpPr>
+            <a:cxnSpLocks/>
+          </p:cNvCxnSpPr>
+          <p:nvPr/>
+        </p:nvCxnSpPr>
+        <p:spPr>
+          <a:xfrm flipH="1">
+            <a:off x="35946081" y="7449671"/>
+            <a:ext cx="293743" cy="444649"/>
+          </a:xfrm>
+          <a:prstGeom prst="straightConnector1">
+            <a:avLst/>
+          </a:prstGeom>
+          <a:ln w="38100">
+            <a:tailEnd type="triangle"/>
+          </a:ln>
+        </p:spPr>
+        <p:style>
+          <a:lnRef idx="1">
+            <a:schemeClr val="dk1"/>
+          </a:lnRef>
+          <a:fillRef idx="0">
+            <a:schemeClr val="dk1"/>
+          </a:fillRef>
+          <a:effectRef idx="0">
+            <a:schemeClr val="dk1"/>
+          </a:effectRef>
+          <a:fontRef idx="minor">
+            <a:schemeClr val="tx1"/>
+          </a:fontRef>
+        </p:style>
+      </p:cxnSp>
+      <p:cxnSp>
+        <p:nvCxnSpPr>
+          <p:cNvPr id="80" name="Straight Arrow Connector 79">
+            <a:extLst>
+              <a:ext uri="{FF2B5EF4-FFF2-40B4-BE49-F238E27FC236}">
+                <a16:creationId xmlns:a16="http://schemas.microsoft.com/office/drawing/2014/main" id="{67726D13-7749-B044-BD62-AEA593137F2B}"/>
+              </a:ext>
+            </a:extLst>
+          </p:cNvPr>
+          <p:cNvCxnSpPr>
+            <a:cxnSpLocks/>
+          </p:cNvCxnSpPr>
+          <p:nvPr/>
+        </p:nvCxnSpPr>
+        <p:spPr>
+          <a:xfrm flipH="1">
+            <a:off x="34175082" y="8444430"/>
+            <a:ext cx="386079" cy="386080"/>
+          </a:xfrm>
+          <a:prstGeom prst="straightConnector1">
+            <a:avLst/>
+          </a:prstGeom>
+          <a:ln w="38100">
+            <a:tailEnd type="triangle"/>
+          </a:ln>
+        </p:spPr>
+        <p:style>
+          <a:lnRef idx="1">
+            <a:schemeClr val="dk1"/>
+          </a:lnRef>
+          <a:fillRef idx="0">
+            <a:schemeClr val="dk1"/>
+          </a:fillRef>
+          <a:effectRef idx="0">
+            <a:schemeClr val="dk1"/>
+          </a:effectRef>
+          <a:fontRef idx="minor">
+            <a:schemeClr val="tx1"/>
+          </a:fontRef>
+        </p:style>
+      </p:cxnSp>
+      <p:cxnSp>
+        <p:nvCxnSpPr>
+          <p:cNvPr id="82" name="Straight Arrow Connector 81">
+            <a:extLst>
+              <a:ext uri="{FF2B5EF4-FFF2-40B4-BE49-F238E27FC236}">
+                <a16:creationId xmlns:a16="http://schemas.microsoft.com/office/drawing/2014/main" id="{0011FD04-F109-854E-9E9C-C86F2B2CBAA8}"/>
+              </a:ext>
+            </a:extLst>
+          </p:cNvPr>
+          <p:cNvCxnSpPr>
+            <a:cxnSpLocks/>
+          </p:cNvCxnSpPr>
+          <p:nvPr/>
+        </p:nvCxnSpPr>
+        <p:spPr>
+          <a:xfrm flipH="1">
+            <a:off x="34523669" y="8502516"/>
+            <a:ext cx="373847" cy="1450893"/>
+          </a:xfrm>
+          <a:prstGeom prst="straightConnector1">
+            <a:avLst/>
+          </a:prstGeom>
+          <a:ln w="38100">
+            <a:tailEnd type="triangle"/>
+          </a:ln>
+        </p:spPr>
+        <p:style>
+          <a:lnRef idx="1">
+            <a:schemeClr val="dk1"/>
+          </a:lnRef>
+          <a:fillRef idx="0">
+            <a:schemeClr val="dk1"/>
+          </a:fillRef>
+          <a:effectRef idx="0">
+            <a:schemeClr val="dk1"/>
+          </a:effectRef>
+          <a:fontRef idx="minor">
+            <a:schemeClr val="tx1"/>
+          </a:fontRef>
+        </p:style>
+      </p:cxnSp>
+      <p:cxnSp>
+        <p:nvCxnSpPr>
+          <p:cNvPr id="85" name="Straight Arrow Connector 84">
+            <a:extLst>
+              <a:ext uri="{FF2B5EF4-FFF2-40B4-BE49-F238E27FC236}">
+                <a16:creationId xmlns:a16="http://schemas.microsoft.com/office/drawing/2014/main" id="{8EE7D882-FC86-DE4E-8582-349C70AA975C}"/>
+              </a:ext>
+            </a:extLst>
+          </p:cNvPr>
+          <p:cNvCxnSpPr>
+            <a:cxnSpLocks/>
+            <a:endCxn id="180" idx="0"/>
+          </p:cNvCxnSpPr>
+          <p:nvPr/>
+        </p:nvCxnSpPr>
+        <p:spPr>
+          <a:xfrm>
+            <a:off x="35622128" y="8444430"/>
+            <a:ext cx="658753" cy="1475274"/>
+          </a:xfrm>
+          <a:prstGeom prst="straightConnector1">
+            <a:avLst/>
+          </a:prstGeom>
+          <a:ln w="38100">
+            <a:tailEnd type="triangle"/>
+          </a:ln>
+        </p:spPr>
+        <p:style>
+          <a:lnRef idx="1">
+            <a:schemeClr val="dk1"/>
+          </a:lnRef>
+          <a:fillRef idx="0">
+            <a:schemeClr val="dk1"/>
+          </a:fillRef>
+          <a:effectRef idx="0">
+            <a:schemeClr val="dk1"/>
+          </a:effectRef>
+          <a:fontRef idx="minor">
+            <a:schemeClr val="tx1"/>
+          </a:fontRef>
+        </p:style>
+      </p:cxnSp>
+      <p:cxnSp>
+        <p:nvCxnSpPr>
+          <p:cNvPr id="90" name="Straight Arrow Connector 89">
+            <a:extLst>
+              <a:ext uri="{FF2B5EF4-FFF2-40B4-BE49-F238E27FC236}">
+                <a16:creationId xmlns:a16="http://schemas.microsoft.com/office/drawing/2014/main" id="{147149F0-D8B9-D54F-AADD-3CD061BB816D}"/>
+              </a:ext>
+            </a:extLst>
+          </p:cNvPr>
+          <p:cNvCxnSpPr>
+            <a:cxnSpLocks/>
+            <a:endCxn id="184" idx="0"/>
+          </p:cNvCxnSpPr>
+          <p:nvPr/>
+        </p:nvCxnSpPr>
+        <p:spPr>
+          <a:xfrm>
+            <a:off x="36738744" y="10463153"/>
+            <a:ext cx="389047" cy="1096997"/>
+          </a:xfrm>
+          <a:prstGeom prst="straightConnector1">
+            <a:avLst/>
+          </a:prstGeom>
+          <a:ln w="38100">
+            <a:tailEnd type="triangle"/>
+          </a:ln>
+        </p:spPr>
+        <p:style>
+          <a:lnRef idx="1">
+            <a:schemeClr val="dk1"/>
+          </a:lnRef>
+          <a:fillRef idx="0">
+            <a:schemeClr val="dk1"/>
+          </a:fillRef>
+          <a:effectRef idx="0">
+            <a:schemeClr val="dk1"/>
+          </a:effectRef>
+          <a:fontRef idx="minor">
+            <a:schemeClr val="tx1"/>
+          </a:fontRef>
+        </p:style>
+      </p:cxnSp>
+      <p:cxnSp>
+        <p:nvCxnSpPr>
+          <p:cNvPr id="92" name="Straight Arrow Connector 91">
+            <a:extLst>
+              <a:ext uri="{FF2B5EF4-FFF2-40B4-BE49-F238E27FC236}">
+                <a16:creationId xmlns:a16="http://schemas.microsoft.com/office/drawing/2014/main" id="{053FED20-884A-1B41-8BC6-A24D26515E1C}"/>
+              </a:ext>
+            </a:extLst>
+          </p:cNvPr>
+          <p:cNvCxnSpPr>
+            <a:cxnSpLocks/>
+            <a:endCxn id="183" idx="0"/>
+          </p:cNvCxnSpPr>
+          <p:nvPr/>
+        </p:nvCxnSpPr>
+        <p:spPr>
+          <a:xfrm flipH="1">
+            <a:off x="35405846" y="10441834"/>
+            <a:ext cx="555538" cy="557476"/>
+          </a:xfrm>
+          <a:prstGeom prst="straightConnector1">
+            <a:avLst/>
+          </a:prstGeom>
+          <a:ln w="38100">
+            <a:tailEnd type="triangle"/>
+          </a:ln>
+        </p:spPr>
+        <p:style>
+          <a:lnRef idx="1">
+            <a:schemeClr val="dk1"/>
+          </a:lnRef>
+          <a:fillRef idx="0">
+            <a:schemeClr val="dk1"/>
+          </a:fillRef>
+          <a:effectRef idx="0">
+            <a:schemeClr val="dk1"/>
+          </a:effectRef>
+          <a:fontRef idx="minor">
+            <a:schemeClr val="tx1"/>
+          </a:fontRef>
+        </p:style>
+      </p:cxnSp>
+      <p:cxnSp>
+        <p:nvCxnSpPr>
+          <p:cNvPr id="94" name="Straight Arrow Connector 93">
+            <a:extLst>
+              <a:ext uri="{FF2B5EF4-FFF2-40B4-BE49-F238E27FC236}">
+                <a16:creationId xmlns:a16="http://schemas.microsoft.com/office/drawing/2014/main" id="{7DDF6D4B-1A75-D444-9B75-F613B049AFF1}"/>
+              </a:ext>
+            </a:extLst>
+          </p:cNvPr>
+          <p:cNvCxnSpPr>
+            <a:cxnSpLocks/>
+            <a:stCxn id="183" idx="2"/>
+            <a:endCxn id="71" idx="0"/>
+          </p:cNvCxnSpPr>
+          <p:nvPr/>
+        </p:nvCxnSpPr>
+        <p:spPr>
+          <a:xfrm>
+            <a:off x="35405846" y="11593670"/>
+            <a:ext cx="593356" cy="994440"/>
+          </a:xfrm>
+          <a:prstGeom prst="straightConnector1">
+            <a:avLst/>
+          </a:prstGeom>
+          <a:ln w="38100">
+            <a:tailEnd type="triangle"/>
+          </a:ln>
+        </p:spPr>
+        <p:style>
+          <a:lnRef idx="1">
+            <a:schemeClr val="dk1"/>
+          </a:lnRef>
+          <a:fillRef idx="0">
+            <a:schemeClr val="dk1"/>
+          </a:fillRef>
+          <a:effectRef idx="0">
+            <a:schemeClr val="dk1"/>
+          </a:effectRef>
+          <a:fontRef idx="minor">
+            <a:schemeClr val="tx1"/>
+          </a:fontRef>
+        </p:style>
+      </p:cxnSp>
+      <p:cxnSp>
+        <p:nvCxnSpPr>
+          <p:cNvPr id="96" name="Straight Arrow Connector 95">
+            <a:extLst>
+              <a:ext uri="{FF2B5EF4-FFF2-40B4-BE49-F238E27FC236}">
+                <a16:creationId xmlns:a16="http://schemas.microsoft.com/office/drawing/2014/main" id="{E17BCACA-D2AB-6A48-BD57-77EF28FEDC82}"/>
+              </a:ext>
+            </a:extLst>
+          </p:cNvPr>
+          <p:cNvCxnSpPr>
+            <a:cxnSpLocks/>
+            <a:stCxn id="184" idx="2"/>
+            <a:endCxn id="182" idx="0"/>
+          </p:cNvCxnSpPr>
+          <p:nvPr/>
+        </p:nvCxnSpPr>
+        <p:spPr>
+          <a:xfrm>
+            <a:off x="37127791" y="12154510"/>
+            <a:ext cx="282295" cy="1366789"/>
+          </a:xfrm>
+          <a:prstGeom prst="straightConnector1">
+            <a:avLst/>
+          </a:prstGeom>
+          <a:ln w="38100">
+            <a:tailEnd type="triangle"/>
+          </a:ln>
+        </p:spPr>
+        <p:style>
+          <a:lnRef idx="1">
+            <a:schemeClr val="dk1"/>
+          </a:lnRef>
+          <a:fillRef idx="0">
+            <a:schemeClr val="dk1"/>
+          </a:fillRef>
+          <a:effectRef idx="0">
+            <a:schemeClr val="dk1"/>
+          </a:effectRef>
+          <a:fontRef idx="minor">
+            <a:schemeClr val="tx1"/>
+          </a:fontRef>
+        </p:style>
+      </p:cxnSp>
+      <p:cxnSp>
+        <p:nvCxnSpPr>
+          <p:cNvPr id="97" name="Straight Arrow Connector 96">
+            <a:extLst>
+              <a:ext uri="{FF2B5EF4-FFF2-40B4-BE49-F238E27FC236}">
+                <a16:creationId xmlns:a16="http://schemas.microsoft.com/office/drawing/2014/main" id="{DECD8217-7C61-EA40-BC6E-59A43F490CD2}"/>
+              </a:ext>
+            </a:extLst>
+          </p:cNvPr>
+          <p:cNvCxnSpPr>
+            <a:cxnSpLocks/>
+            <a:stCxn id="179" idx="2"/>
+            <a:endCxn id="70" idx="0"/>
+          </p:cNvCxnSpPr>
+          <p:nvPr/>
+        </p:nvCxnSpPr>
+        <p:spPr>
+          <a:xfrm>
+            <a:off x="34410477" y="12534799"/>
+            <a:ext cx="177841" cy="945500"/>
+          </a:xfrm>
+          <a:prstGeom prst="straightConnector1">
+            <a:avLst/>
+          </a:prstGeom>
+          <a:ln w="38100">
+            <a:tailEnd type="triangle"/>
+          </a:ln>
+        </p:spPr>
+        <p:style>
+          <a:lnRef idx="1">
+            <a:schemeClr val="dk1"/>
+          </a:lnRef>
+          <a:fillRef idx="0">
+            <a:schemeClr val="dk1"/>
+          </a:fillRef>
+          <a:effectRef idx="0">
+            <a:schemeClr val="dk1"/>
+          </a:effectRef>
+          <a:fontRef idx="minor">
+            <a:schemeClr val="tx1"/>
+          </a:fontRef>
+        </p:style>
+      </p:cxnSp>
+      <p:cxnSp>
+        <p:nvCxnSpPr>
+          <p:cNvPr id="98" name="Straight Arrow Connector 97">
+            <a:extLst>
+              <a:ext uri="{FF2B5EF4-FFF2-40B4-BE49-F238E27FC236}">
+                <a16:creationId xmlns:a16="http://schemas.microsoft.com/office/drawing/2014/main" id="{541A2D52-923E-1942-BEBA-E77989C1C7E9}"/>
+              </a:ext>
+            </a:extLst>
+          </p:cNvPr>
+          <p:cNvCxnSpPr>
+            <a:cxnSpLocks/>
+            <a:stCxn id="177" idx="2"/>
+            <a:endCxn id="69" idx="0"/>
+          </p:cNvCxnSpPr>
+          <p:nvPr/>
+        </p:nvCxnSpPr>
+        <p:spPr>
+          <a:xfrm>
+            <a:off x="33150511" y="11670685"/>
+            <a:ext cx="26923" cy="1038172"/>
+          </a:xfrm>
+          <a:prstGeom prst="straightConnector1">
+            <a:avLst/>
+          </a:prstGeom>
+          <a:ln w="38100">
+            <a:tailEnd type="triangle"/>
+          </a:ln>
+        </p:spPr>
+        <p:style>
+          <a:lnRef idx="1">
+            <a:schemeClr val="dk1"/>
+          </a:lnRef>
+          <a:fillRef idx="0">
+            <a:schemeClr val="dk1"/>
+          </a:fillRef>
+          <a:effectRef idx="0">
+            <a:schemeClr val="dk1"/>
+          </a:effectRef>
+          <a:fontRef idx="minor">
+            <a:schemeClr val="tx1"/>
+          </a:fontRef>
+        </p:style>
+      </p:cxnSp>
+      <p:cxnSp>
+        <p:nvCxnSpPr>
+          <p:cNvPr id="102" name="Straight Arrow Connector 101">
+            <a:extLst>
+              <a:ext uri="{FF2B5EF4-FFF2-40B4-BE49-F238E27FC236}">
+                <a16:creationId xmlns:a16="http://schemas.microsoft.com/office/drawing/2014/main" id="{300365D3-DC50-924C-A4A7-21F310D4F376}"/>
+              </a:ext>
+            </a:extLst>
+          </p:cNvPr>
+          <p:cNvCxnSpPr>
+            <a:cxnSpLocks/>
+            <a:endCxn id="179" idx="0"/>
+          </p:cNvCxnSpPr>
+          <p:nvPr/>
+        </p:nvCxnSpPr>
+        <p:spPr>
+          <a:xfrm>
+            <a:off x="34401760" y="10566400"/>
+            <a:ext cx="8717" cy="1374039"/>
+          </a:xfrm>
+          <a:prstGeom prst="straightConnector1">
+            <a:avLst/>
+          </a:prstGeom>
+          <a:ln w="38100">
+            <a:tailEnd type="triangle"/>
+          </a:ln>
+        </p:spPr>
+        <p:style>
+          <a:lnRef idx="1">
+            <a:schemeClr val="dk1"/>
+          </a:lnRef>
+          <a:fillRef idx="0">
+            <a:schemeClr val="dk1"/>
+          </a:fillRef>
+          <a:effectRef idx="0">
+            <a:schemeClr val="dk1"/>
+          </a:effectRef>
+          <a:fontRef idx="minor">
+            <a:schemeClr val="tx1"/>
+          </a:fontRef>
+        </p:style>
+      </p:cxnSp>
+      <p:cxnSp>
+        <p:nvCxnSpPr>
+          <p:cNvPr id="104" name="Straight Arrow Connector 103">
+            <a:extLst>
+              <a:ext uri="{FF2B5EF4-FFF2-40B4-BE49-F238E27FC236}">
+                <a16:creationId xmlns:a16="http://schemas.microsoft.com/office/drawing/2014/main" id="{C5497D4C-9424-7B47-B86E-5C4999621E85}"/>
+              </a:ext>
+            </a:extLst>
+          </p:cNvPr>
+          <p:cNvCxnSpPr>
+            <a:cxnSpLocks/>
+            <a:endCxn id="177" idx="0"/>
+          </p:cNvCxnSpPr>
+          <p:nvPr/>
+        </p:nvCxnSpPr>
+        <p:spPr>
+          <a:xfrm flipH="1">
+            <a:off x="33150511" y="10444480"/>
+            <a:ext cx="529889" cy="631845"/>
+          </a:xfrm>
+          <a:prstGeom prst="straightConnector1">
+            <a:avLst/>
+          </a:prstGeom>
+          <a:ln w="38100">
+            <a:tailEnd type="triangle"/>
+          </a:ln>
+        </p:spPr>
+        <p:style>
+          <a:lnRef idx="1">
+            <a:schemeClr val="dk1"/>
+          </a:lnRef>
+          <a:fillRef idx="0">
+            <a:schemeClr val="dk1"/>
+          </a:fillRef>
+          <a:effectRef idx="0">
+            <a:schemeClr val="dk1"/>
+          </a:effectRef>
+          <a:fontRef idx="minor">
+            <a:schemeClr val="tx1"/>
+          </a:fontRef>
+        </p:style>
+      </p:cxnSp>
+      <p:cxnSp>
+        <p:nvCxnSpPr>
+          <p:cNvPr id="186" name="Straight Arrow Connector 185">
+            <a:extLst>
+              <a:ext uri="{FF2B5EF4-FFF2-40B4-BE49-F238E27FC236}">
+                <a16:creationId xmlns:a16="http://schemas.microsoft.com/office/drawing/2014/main" id="{00E503F7-9E01-A247-8D35-4734A66F78BE}"/>
+              </a:ext>
+            </a:extLst>
+          </p:cNvPr>
+          <p:cNvCxnSpPr>
+            <a:cxnSpLocks/>
+          </p:cNvCxnSpPr>
+          <p:nvPr/>
+        </p:nvCxnSpPr>
+        <p:spPr>
+          <a:xfrm>
+            <a:off x="36107457" y="8352457"/>
+            <a:ext cx="1151171" cy="941903"/>
+          </a:xfrm>
+          <a:prstGeom prst="straightConnector1">
+            <a:avLst/>
+          </a:prstGeom>
+          <a:ln w="38100">
+            <a:tailEnd type="triangle"/>
+          </a:ln>
+        </p:spPr>
+        <p:style>
+          <a:lnRef idx="1">
+            <a:schemeClr val="dk1"/>
+          </a:lnRef>
+          <a:fillRef idx="0">
+            <a:schemeClr val="dk1"/>
+          </a:fillRef>
+          <a:effectRef idx="0">
+            <a:schemeClr val="dk1"/>
+          </a:effectRef>
+          <a:fontRef idx="minor">
+            <a:schemeClr val="tx1"/>
+          </a:fontRef>
+        </p:style>
+      </p:cxnSp>
       <p:sp>
         <p:nvSpPr>
-          <p:cNvPr id="179" name="time"/>
+          <p:cNvPr id="176" name="Spincoat"/>
           <p:cNvSpPr/>
           <p:nvPr/>
         </p:nvSpPr>
         <p:spPr>
           <a:xfrm>
-            <a:off x="34133579" y="11893803"/>
-            <a:ext cx="1019251" cy="594360"/>
+            <a:off x="33451467" y="9963699"/>
+            <a:ext cx="1607246" cy="594360"/>
           </a:xfrm>
           <a:prstGeom prst="roundRect">
             <a:avLst>
               <a:gd name="adj" fmla="val 50000"/>
             </a:avLst>
           </a:prstGeom>
-          <a:ln/>
+          <a:ln w="63500">
+            <a:solidFill>
+              <a:schemeClr val="accent1"/>
+            </a:solidFill>
+          </a:ln>
           <a:extLst>
             <a:ext uri="{C572A759-6A51-4108-AA02-DFA0A04FC94B}">
               <ma14:wrappingTextBoxFlag xmlns:ma14="http://schemas.microsoft.com/office/mac/drawingml/2011/main" xmlns:a14="http://schemas.microsoft.com/office/drawing/2010/main" xmlns:m="http://schemas.openxmlformats.org/officeDocument/2006/math" xmlns="" val="1"/>
@@ -5776,8 +6420,12 @@
           </a:lstStyle>
           <a:p>
             <a:r>
-              <a:rPr sz="2500" dirty="0"/>
-              <a:t>time </a:t>
+              <a:rPr sz="2600" dirty="0" err="1"/>
+              <a:t>Spincoat</a:t>
+            </a:r>
+            <a:r>
+              <a:rPr dirty="0"/>
+              <a:t> </a:t>
             </a:r>
           </a:p>
         </p:txBody>
@@ -5790,7 +6438,7 @@
         </p:nvSpPr>
         <p:spPr>
           <a:xfrm>
-            <a:off x="36042003" y="10473852"/>
+            <a:off x="35622128" y="9919704"/>
             <a:ext cx="1317506" cy="625576"/>
           </a:xfrm>
           <a:prstGeom prst="roundRect">
@@ -5798,7 +6446,11 @@
               <a:gd name="adj" fmla="val 50000"/>
             </a:avLst>
           </a:prstGeom>
-          <a:ln/>
+          <a:ln w="63500">
+            <a:solidFill>
+              <a:schemeClr val="accent1"/>
+            </a:solidFill>
+          </a:ln>
           <a:extLst>
             <a:ext uri="{C572A759-6A51-4108-AA02-DFA0A04FC94B}">
               <ma14:wrappingTextBoxFlag xmlns:ma14="http://schemas.microsoft.com/office/mac/drawingml/2011/main" xmlns:a14="http://schemas.microsoft.com/office/drawing/2010/main" xmlns:m="http://schemas.openxmlformats.org/officeDocument/2006/math" xmlns="" val="1"/>
@@ -5841,21 +6493,28 @@
       </p:sp>
       <p:sp>
         <p:nvSpPr>
-          <p:cNvPr id="182" name="value, units"/>
+          <p:cNvPr id="183" name="time"/>
           <p:cNvSpPr/>
           <p:nvPr/>
         </p:nvSpPr>
         <p:spPr>
           <a:xfrm>
-            <a:off x="37027309" y="13032950"/>
-            <a:ext cx="1111727" cy="947680"/>
+            <a:off x="34846245" y="10999310"/>
+            <a:ext cx="1119201" cy="594360"/>
           </a:xfrm>
           <a:prstGeom prst="roundRect">
             <a:avLst>
-              <a:gd name="adj" fmla="val 35381"/>
+              <a:gd name="adj" fmla="val 50000"/>
             </a:avLst>
           </a:prstGeom>
-          <a:ln/>
+          <a:ln w="50800">
+            <a:solidFill>
+              <a:schemeClr val="accent1">
+                <a:lumMod val="60000"/>
+                <a:lumOff val="40000"/>
+              </a:schemeClr>
+            </a:solidFill>
+          </a:ln>
           <a:extLst>
             <a:ext uri="{C572A759-6A51-4108-AA02-DFA0A04FC94B}">
               <ma14:wrappingTextBoxFlag xmlns:ma14="http://schemas.microsoft.com/office/mac/drawingml/2011/main" xmlns:a14="http://schemas.microsoft.com/office/drawing/2010/main" xmlns:m="http://schemas.openxmlformats.org/officeDocument/2006/math" xmlns="" val="1"/>
@@ -5890,29 +6549,38 @@
           </a:lstStyle>
           <a:p>
             <a:r>
-              <a:rPr sz="2400" dirty="0"/>
-              <a:t>value, units</a:t>
+              <a:rPr sz="2500" dirty="0"/>
+              <a:t>time </a:t>
             </a:r>
           </a:p>
         </p:txBody>
       </p:sp>
       <p:sp>
         <p:nvSpPr>
-          <p:cNvPr id="183" name="time"/>
+          <p:cNvPr id="163" name="Synthesis"/>
           <p:cNvSpPr/>
           <p:nvPr/>
         </p:nvSpPr>
         <p:spPr>
           <a:xfrm>
-            <a:off x="34725824" y="10945489"/>
-            <a:ext cx="1119201" cy="594360"/>
+            <a:off x="34435946" y="7896904"/>
+            <a:ext cx="1698959" cy="594360"/>
           </a:xfrm>
           <a:prstGeom prst="roundRect">
             <a:avLst>
               <a:gd name="adj" fmla="val 50000"/>
             </a:avLst>
           </a:prstGeom>
-          <a:ln/>
+          <a:solidFill>
+            <a:schemeClr val="bg1"/>
+          </a:solidFill>
+          <a:ln w="57150">
+            <a:solidFill>
+              <a:schemeClr val="accent1">
+                <a:lumMod val="75000"/>
+              </a:schemeClr>
+            </a:solidFill>
+          </a:ln>
           <a:extLst>
             <a:ext uri="{C572A759-6A51-4108-AA02-DFA0A04FC94B}">
               <ma14:wrappingTextBoxFlag xmlns:ma14="http://schemas.microsoft.com/office/mac/drawingml/2011/main" xmlns:a14="http://schemas.microsoft.com/office/drawing/2010/main" xmlns:m="http://schemas.openxmlformats.org/officeDocument/2006/math" xmlns="" val="1"/>
@@ -5947,29 +6615,333 @@
           </a:lstStyle>
           <a:p>
             <a:r>
-              <a:rPr sz="2500" dirty="0"/>
-              <a:t>time </a:t>
+              <a:rPr dirty="0"/>
+              <a:t>Synthesis </a:t>
             </a:r>
           </a:p>
         </p:txBody>
       </p:sp>
+      <p:cxnSp>
+        <p:nvCxnSpPr>
+          <p:cNvPr id="189" name="Straight Arrow Connector 188">
+            <a:extLst>
+              <a:ext uri="{FF2B5EF4-FFF2-40B4-BE49-F238E27FC236}">
+                <a16:creationId xmlns:a16="http://schemas.microsoft.com/office/drawing/2014/main" id="{2604B20F-0CE2-AD48-B0AF-3B3E54396520}"/>
+              </a:ext>
+            </a:extLst>
+          </p:cNvPr>
+          <p:cNvCxnSpPr>
+            <a:cxnSpLocks/>
+            <a:stCxn id="168" idx="2"/>
+            <a:endCxn id="169" idx="0"/>
+          </p:cNvCxnSpPr>
+          <p:nvPr/>
+        </p:nvCxnSpPr>
+        <p:spPr>
+          <a:xfrm>
+            <a:off x="38167545" y="9859747"/>
+            <a:ext cx="1019201" cy="1298024"/>
+          </a:xfrm>
+          <a:prstGeom prst="straightConnector1">
+            <a:avLst/>
+          </a:prstGeom>
+          <a:ln w="38100">
+            <a:tailEnd type="triangle"/>
+          </a:ln>
+        </p:spPr>
+        <p:style>
+          <a:lnRef idx="1">
+            <a:schemeClr val="dk1"/>
+          </a:lnRef>
+          <a:fillRef idx="0">
+            <a:schemeClr val="dk1"/>
+          </a:fillRef>
+          <a:effectRef idx="0">
+            <a:schemeClr val="dk1"/>
+          </a:effectRef>
+          <a:fontRef idx="minor">
+            <a:schemeClr val="tx1"/>
+          </a:fontRef>
+        </p:style>
+      </p:cxnSp>
+      <p:cxnSp>
+        <p:nvCxnSpPr>
+          <p:cNvPr id="192" name="Straight Arrow Connector 191">
+            <a:extLst>
+              <a:ext uri="{FF2B5EF4-FFF2-40B4-BE49-F238E27FC236}">
+                <a16:creationId xmlns:a16="http://schemas.microsoft.com/office/drawing/2014/main" id="{FB5E6B79-85CA-FD4A-B90C-4F959375AB58}"/>
+              </a:ext>
+            </a:extLst>
+          </p:cNvPr>
+          <p:cNvCxnSpPr>
+            <a:cxnSpLocks/>
+            <a:endCxn id="167" idx="0"/>
+          </p:cNvCxnSpPr>
+          <p:nvPr/>
+        </p:nvCxnSpPr>
+        <p:spPr>
+          <a:xfrm>
+            <a:off x="41963436" y="8438081"/>
+            <a:ext cx="492209" cy="500603"/>
+          </a:xfrm>
+          <a:prstGeom prst="straightConnector1">
+            <a:avLst/>
+          </a:prstGeom>
+          <a:ln w="38100">
+            <a:tailEnd type="triangle"/>
+          </a:ln>
+        </p:spPr>
+        <p:style>
+          <a:lnRef idx="1">
+            <a:schemeClr val="dk1"/>
+          </a:lnRef>
+          <a:fillRef idx="0">
+            <a:schemeClr val="dk1"/>
+          </a:fillRef>
+          <a:effectRef idx="0">
+            <a:schemeClr val="dk1"/>
+          </a:effectRef>
+          <a:fontRef idx="minor">
+            <a:schemeClr val="tx1"/>
+          </a:fontRef>
+        </p:style>
+      </p:cxnSp>
+      <p:cxnSp>
+        <p:nvCxnSpPr>
+          <p:cNvPr id="193" name="Straight Arrow Connector 192">
+            <a:extLst>
+              <a:ext uri="{FF2B5EF4-FFF2-40B4-BE49-F238E27FC236}">
+                <a16:creationId xmlns:a16="http://schemas.microsoft.com/office/drawing/2014/main" id="{EC84E853-76E4-2542-A90B-61CAB48780D8}"/>
+              </a:ext>
+            </a:extLst>
+          </p:cNvPr>
+          <p:cNvCxnSpPr>
+            <a:cxnSpLocks/>
+            <a:endCxn id="166" idx="0"/>
+          </p:cNvCxnSpPr>
+          <p:nvPr/>
+        </p:nvCxnSpPr>
+        <p:spPr>
+          <a:xfrm>
+            <a:off x="40703451" y="8229854"/>
+            <a:ext cx="749360" cy="1431346"/>
+          </a:xfrm>
+          <a:prstGeom prst="straightConnector1">
+            <a:avLst/>
+          </a:prstGeom>
+          <a:ln w="38100">
+            <a:tailEnd type="triangle"/>
+          </a:ln>
+        </p:spPr>
+        <p:style>
+          <a:lnRef idx="1">
+            <a:schemeClr val="dk1"/>
+          </a:lnRef>
+          <a:fillRef idx="0">
+            <a:schemeClr val="dk1"/>
+          </a:fillRef>
+          <a:effectRef idx="0">
+            <a:schemeClr val="dk1"/>
+          </a:effectRef>
+          <a:fontRef idx="minor">
+            <a:schemeClr val="tx1"/>
+          </a:fontRef>
+        </p:style>
+      </p:cxnSp>
+      <p:cxnSp>
+        <p:nvCxnSpPr>
+          <p:cNvPr id="194" name="Straight Arrow Connector 193">
+            <a:extLst>
+              <a:ext uri="{FF2B5EF4-FFF2-40B4-BE49-F238E27FC236}">
+                <a16:creationId xmlns:a16="http://schemas.microsoft.com/office/drawing/2014/main" id="{BF2B0E03-D669-EC44-85BB-9EC589AE3C98}"/>
+              </a:ext>
+            </a:extLst>
+          </p:cNvPr>
+          <p:cNvCxnSpPr>
+            <a:cxnSpLocks/>
+            <a:endCxn id="165" idx="0"/>
+          </p:cNvCxnSpPr>
+          <p:nvPr/>
+        </p:nvCxnSpPr>
+        <p:spPr>
+          <a:xfrm>
+            <a:off x="39496877" y="8491826"/>
+            <a:ext cx="1007778" cy="1891889"/>
+          </a:xfrm>
+          <a:prstGeom prst="straightConnector1">
+            <a:avLst/>
+          </a:prstGeom>
+          <a:ln w="38100">
+            <a:tailEnd type="triangle"/>
+          </a:ln>
+        </p:spPr>
+        <p:style>
+          <a:lnRef idx="1">
+            <a:schemeClr val="dk1"/>
+          </a:lnRef>
+          <a:fillRef idx="0">
+            <a:schemeClr val="dk1"/>
+          </a:fillRef>
+          <a:effectRef idx="0">
+            <a:schemeClr val="dk1"/>
+          </a:effectRef>
+          <a:fontRef idx="minor">
+            <a:schemeClr val="tx1"/>
+          </a:fontRef>
+        </p:style>
+      </p:cxnSp>
+      <p:cxnSp>
+        <p:nvCxnSpPr>
+          <p:cNvPr id="195" name="Straight Arrow Connector 194">
+            <a:extLst>
+              <a:ext uri="{FF2B5EF4-FFF2-40B4-BE49-F238E27FC236}">
+                <a16:creationId xmlns:a16="http://schemas.microsoft.com/office/drawing/2014/main" id="{F86D0783-44B4-BF49-9FFC-7983E7C9676F}"/>
+              </a:ext>
+            </a:extLst>
+          </p:cNvPr>
+          <p:cNvCxnSpPr>
+            <a:cxnSpLocks/>
+            <a:stCxn id="167" idx="2"/>
+            <a:endCxn id="72" idx="0"/>
+          </p:cNvCxnSpPr>
+          <p:nvPr/>
+        </p:nvCxnSpPr>
+        <p:spPr>
+          <a:xfrm>
+            <a:off x="42455645" y="9533044"/>
+            <a:ext cx="64654" cy="1489080"/>
+          </a:xfrm>
+          <a:prstGeom prst="straightConnector1">
+            <a:avLst/>
+          </a:prstGeom>
+          <a:ln w="38100">
+            <a:tailEnd type="triangle"/>
+          </a:ln>
+        </p:spPr>
+        <p:style>
+          <a:lnRef idx="1">
+            <a:schemeClr val="dk1"/>
+          </a:lnRef>
+          <a:fillRef idx="0">
+            <a:schemeClr val="dk1"/>
+          </a:fillRef>
+          <a:effectRef idx="0">
+            <a:schemeClr val="dk1"/>
+          </a:effectRef>
+          <a:fontRef idx="minor">
+            <a:schemeClr val="tx1"/>
+          </a:fontRef>
+        </p:style>
+      </p:cxnSp>
+      <p:cxnSp>
+        <p:nvCxnSpPr>
+          <p:cNvPr id="196" name="Straight Arrow Connector 195">
+            <a:extLst>
+              <a:ext uri="{FF2B5EF4-FFF2-40B4-BE49-F238E27FC236}">
+                <a16:creationId xmlns:a16="http://schemas.microsoft.com/office/drawing/2014/main" id="{19143E95-6F0C-134A-881B-2FF341A40FEE}"/>
+              </a:ext>
+            </a:extLst>
+          </p:cNvPr>
+          <p:cNvCxnSpPr>
+            <a:cxnSpLocks/>
+            <a:stCxn id="166" idx="2"/>
+            <a:endCxn id="73" idx="0"/>
+          </p:cNvCxnSpPr>
+          <p:nvPr/>
+        </p:nvCxnSpPr>
+        <p:spPr>
+          <a:xfrm>
+            <a:off x="41452811" y="10255560"/>
+            <a:ext cx="192942" cy="2020850"/>
+          </a:xfrm>
+          <a:prstGeom prst="straightConnector1">
+            <a:avLst/>
+          </a:prstGeom>
+          <a:ln w="38100">
+            <a:tailEnd type="triangle"/>
+          </a:ln>
+        </p:spPr>
+        <p:style>
+          <a:lnRef idx="1">
+            <a:schemeClr val="dk1"/>
+          </a:lnRef>
+          <a:fillRef idx="0">
+            <a:schemeClr val="dk1"/>
+          </a:fillRef>
+          <a:effectRef idx="0">
+            <a:schemeClr val="dk1"/>
+          </a:effectRef>
+          <a:fontRef idx="minor">
+            <a:schemeClr val="tx1"/>
+          </a:fontRef>
+        </p:style>
+      </p:cxnSp>
+      <p:cxnSp>
+        <p:nvCxnSpPr>
+          <p:cNvPr id="197" name="Straight Arrow Connector 196">
+            <a:extLst>
+              <a:ext uri="{FF2B5EF4-FFF2-40B4-BE49-F238E27FC236}">
+                <a16:creationId xmlns:a16="http://schemas.microsoft.com/office/drawing/2014/main" id="{CCBD61D8-A656-DB43-9814-54F96227C3DE}"/>
+              </a:ext>
+            </a:extLst>
+          </p:cNvPr>
+          <p:cNvCxnSpPr>
+            <a:cxnSpLocks/>
+            <a:stCxn id="165" idx="2"/>
+            <a:endCxn id="74" idx="0"/>
+          </p:cNvCxnSpPr>
+          <p:nvPr/>
+        </p:nvCxnSpPr>
+        <p:spPr>
+          <a:xfrm>
+            <a:off x="40504655" y="10978075"/>
+            <a:ext cx="266552" cy="2572780"/>
+          </a:xfrm>
+          <a:prstGeom prst="straightConnector1">
+            <a:avLst/>
+          </a:prstGeom>
+          <a:ln w="38100">
+            <a:tailEnd type="triangle"/>
+          </a:ln>
+        </p:spPr>
+        <p:style>
+          <a:lnRef idx="1">
+            <a:schemeClr val="dk1"/>
+          </a:lnRef>
+          <a:fillRef idx="0">
+            <a:schemeClr val="dk1"/>
+          </a:fillRef>
+          <a:effectRef idx="0">
+            <a:schemeClr val="dk1"/>
+          </a:effectRef>
+          <a:fontRef idx="minor">
+            <a:schemeClr val="tx1"/>
+          </a:fontRef>
+        </p:style>
+      </p:cxnSp>
       <p:sp>
         <p:nvSpPr>
-          <p:cNvPr id="184" name="temperature"/>
+          <p:cNvPr id="164" name="Device Performance"/>
           <p:cNvSpPr/>
           <p:nvPr/>
         </p:nvSpPr>
         <p:spPr>
           <a:xfrm>
-            <a:off x="37274679" y="11769009"/>
-            <a:ext cx="2611405" cy="594360"/>
+            <a:off x="38907058" y="7901843"/>
+            <a:ext cx="3354059" cy="594360"/>
           </a:xfrm>
           <a:prstGeom prst="roundRect">
             <a:avLst>
               <a:gd name="adj" fmla="val 50000"/>
             </a:avLst>
           </a:prstGeom>
-          <a:ln/>
+          <a:ln w="57150">
+            <a:solidFill>
+              <a:schemeClr val="accent2">
+                <a:lumMod val="75000"/>
+              </a:schemeClr>
+            </a:solidFill>
+          </a:ln>
           <a:extLst>
             <a:ext uri="{C572A759-6A51-4108-AA02-DFA0A04FC94B}">
               <ma14:wrappingTextBoxFlag xmlns:ma14="http://schemas.microsoft.com/office/mac/drawingml/2011/main" xmlns:a14="http://schemas.microsoft.com/office/drawing/2010/main" xmlns:m="http://schemas.openxmlformats.org/officeDocument/2006/math" xmlns="" val="1"/>
@@ -6004,98 +6976,74 @@
           </a:lstStyle>
           <a:p>
             <a:r>
-              <a:rPr sz="2500" dirty="0"/>
-              <a:t>temperature</a:t>
+              <a:rPr dirty="0"/>
+              <a:t>Device Performance</a:t>
             </a:r>
           </a:p>
         </p:txBody>
       </p:sp>
-      <p:sp>
-        <p:nvSpPr>
-          <p:cNvPr id="68" name="3. ect…">
+      <p:cxnSp>
+        <p:nvCxnSpPr>
+          <p:cNvPr id="199" name="Straight Arrow Connector 198">
             <a:extLst>
               <a:ext uri="{FF2B5EF4-FFF2-40B4-BE49-F238E27FC236}">
-                <a16:creationId xmlns:a16="http://schemas.microsoft.com/office/drawing/2014/main" id="{8FDF2F7A-D612-AF44-84BD-62D41DFCEDD9}"/>
+                <a16:creationId xmlns:a16="http://schemas.microsoft.com/office/drawing/2014/main" id="{8935A1D9-ED20-1042-BCD2-908DBDA71D09}"/>
               </a:ext>
             </a:extLst>
           </p:cNvPr>
+          <p:cNvCxnSpPr>
+            <a:cxnSpLocks/>
+          </p:cNvCxnSpPr>
+          <p:nvPr/>
+        </p:nvCxnSpPr>
+        <p:spPr>
+          <a:xfrm>
+            <a:off x="39008780" y="7456818"/>
+            <a:ext cx="292608" cy="444953"/>
+          </a:xfrm>
+          <a:prstGeom prst="straightConnector1">
+            <a:avLst/>
+          </a:prstGeom>
+          <a:ln w="38100">
+            <a:tailEnd type="triangle"/>
+          </a:ln>
+        </p:spPr>
+        <p:style>
+          <a:lnRef idx="1">
+            <a:schemeClr val="dk1"/>
+          </a:lnRef>
+          <a:fillRef idx="0">
+            <a:schemeClr val="dk1"/>
+          </a:fillRef>
+          <a:effectRef idx="0">
+            <a:schemeClr val="dk1"/>
+          </a:effectRef>
+          <a:fontRef idx="minor">
+            <a:schemeClr val="tx1"/>
+          </a:fontRef>
+        </p:style>
+      </p:cxnSp>
+      <p:sp>
+        <p:nvSpPr>
+          <p:cNvPr id="162" name="Material Identifier"/>
           <p:cNvSpPr/>
           <p:nvPr/>
         </p:nvSpPr>
         <p:spPr>
           <a:xfrm>
-            <a:off x="32532429" y="8826095"/>
-            <a:ext cx="1890114" cy="594360"/>
+            <a:off x="36021278" y="6984598"/>
+            <a:ext cx="3133806" cy="597353"/>
           </a:xfrm>
           <a:prstGeom prst="roundRect">
             <a:avLst>
               <a:gd name="adj" fmla="val 50000"/>
             </a:avLst>
           </a:prstGeom>
-          <a:ln/>
-          <a:extLst>
-            <a:ext uri="{C572A759-6A51-4108-AA02-DFA0A04FC94B}">
-              <ma14:wrappingTextBoxFlag xmlns:ma14="http://schemas.microsoft.com/office/mac/drawingml/2011/main" xmlns:a14="http://schemas.microsoft.com/office/drawing/2010/main" xmlns:m="http://schemas.openxmlformats.org/officeDocument/2006/math" xmlns="" val="1"/>
-            </a:ext>
-          </a:extLst>
-        </p:spPr>
-        <p:style>
-          <a:lnRef idx="2">
-            <a:schemeClr val="dk1"/>
-          </a:lnRef>
-          <a:fillRef idx="1">
-            <a:schemeClr val="lt1"/>
-          </a:fillRef>
-          <a:effectRef idx="0">
-            <a:schemeClr val="dk1"/>
-          </a:effectRef>
-          <a:fontRef idx="minor">
-            <a:schemeClr val="dk1"/>
-          </a:fontRef>
-        </p:style>
-        <p:txBody>
-          <a:bodyPr lIns="45719" rIns="45719" anchor="ctr"/>
-          <a:lstStyle/>
-          <a:p>
-            <a:pPr algn="ctr">
-              <a:defRPr sz="2800">
-                <a:latin typeface="Gill Sans"/>
-                <a:ea typeface="Gill Sans"/>
-                <a:cs typeface="Gill Sans"/>
-                <a:sym typeface="Gill Sans"/>
-              </a:defRPr>
-            </a:pPr>
-            <a:r>
-              <a:rPr lang="en-US" sz="2600" i="1" dirty="0"/>
-              <a:t>Other steps</a:t>
-            </a:r>
-            <a:endParaRPr sz="2600" i="1" dirty="0"/>
-          </a:p>
-        </p:txBody>
-      </p:sp>
-      <p:sp>
-        <p:nvSpPr>
-          <p:cNvPr id="69" name="value, units">
-            <a:extLst>
-              <a:ext uri="{FF2B5EF4-FFF2-40B4-BE49-F238E27FC236}">
-                <a16:creationId xmlns:a16="http://schemas.microsoft.com/office/drawing/2014/main" id="{34DDFCC7-97EA-6F41-9F3C-0FA407780B78}"/>
-              </a:ext>
-            </a:extLst>
-          </p:cNvPr>
-          <p:cNvSpPr/>
-          <p:nvPr/>
-        </p:nvSpPr>
-        <p:spPr>
-          <a:xfrm>
-            <a:off x="32706423" y="12458065"/>
-            <a:ext cx="1111727" cy="947680"/>
-          </a:xfrm>
-          <a:prstGeom prst="roundRect">
-            <a:avLst>
-              <a:gd name="adj" fmla="val 35381"/>
-            </a:avLst>
-          </a:prstGeom>
-          <a:ln/>
+          <a:ln w="63500">
+            <a:solidFill>
+              <a:srgbClr val="7030A0"/>
+            </a:solidFill>
+          </a:ln>
           <a:extLst>
             <a:ext uri="{C572A759-6A51-4108-AA02-DFA0A04FC94B}">
               <ma14:wrappingTextBoxFlag xmlns:ma14="http://schemas.microsoft.com/office/mac/drawingml/2011/main" xmlns:a14="http://schemas.microsoft.com/office/drawing/2010/main" xmlns:m="http://schemas.openxmlformats.org/officeDocument/2006/math" xmlns="" val="1"/>
@@ -6130,138 +7078,404 @@
           </a:lstStyle>
           <a:p>
             <a:r>
-              <a:rPr sz="2400" dirty="0"/>
-              <a:t>value, units</a:t>
+              <a:rPr sz="3000" dirty="0"/>
+              <a:t>Material Identifier</a:t>
             </a:r>
           </a:p>
         </p:txBody>
       </p:sp>
-      <p:sp>
-        <p:nvSpPr>
-          <p:cNvPr id="70" name="value, units">
+      <p:grpSp>
+        <p:nvGrpSpPr>
+          <p:cNvPr id="217" name="Group 216">
             <a:extLst>
               <a:ext uri="{FF2B5EF4-FFF2-40B4-BE49-F238E27FC236}">
-                <a16:creationId xmlns:a16="http://schemas.microsoft.com/office/drawing/2014/main" id="{27F1EE7D-2A4E-8A41-8D0C-2E4D06E9C0A4}"/>
+                <a16:creationId xmlns:a16="http://schemas.microsoft.com/office/drawing/2014/main" id="{1FF423C6-5908-0C47-A92A-4490A80913F1}"/>
               </a:ext>
             </a:extLst>
           </p:cNvPr>
-          <p:cNvSpPr/>
+          <p:cNvGrpSpPr/>
           <p:nvPr/>
-        </p:nvSpPr>
-        <p:spPr>
+        </p:nvGrpSpPr>
+        <p:grpSpPr>
           <a:xfrm>
-            <a:off x="34311002" y="12885877"/>
-            <a:ext cx="1111727" cy="947680"/>
+            <a:off x="38224832" y="11157771"/>
+            <a:ext cx="1923827" cy="3445230"/>
+            <a:chOff x="38224832" y="11157771"/>
+            <a:chExt cx="1923827" cy="3445230"/>
           </a:xfrm>
-          <a:prstGeom prst="roundRect">
-            <a:avLst>
-              <a:gd name="adj" fmla="val 35381"/>
-            </a:avLst>
-          </a:prstGeom>
-          <a:ln/>
-          <a:extLst>
-            <a:ext uri="{C572A759-6A51-4108-AA02-DFA0A04FC94B}">
-              <ma14:wrappingTextBoxFlag xmlns:ma14="http://schemas.microsoft.com/office/mac/drawingml/2011/main" xmlns:a14="http://schemas.microsoft.com/office/drawing/2010/main" xmlns:m="http://schemas.openxmlformats.org/officeDocument/2006/math" xmlns="" val="1"/>
-            </a:ext>
-          </a:extLst>
-        </p:spPr>
-        <p:style>
-          <a:lnRef idx="2">
-            <a:schemeClr val="dk1"/>
-          </a:lnRef>
-          <a:fillRef idx="1">
-            <a:schemeClr val="lt1"/>
-          </a:fillRef>
-          <a:effectRef idx="0">
-            <a:schemeClr val="dk1"/>
-          </a:effectRef>
-          <a:fontRef idx="minor">
-            <a:schemeClr val="dk1"/>
-          </a:fontRef>
-        </p:style>
-        <p:txBody>
-          <a:bodyPr lIns="45719" rIns="45719" anchor="ctr"/>
-          <a:lstStyle>
-            <a:lvl1pPr algn="ctr">
-              <a:defRPr sz="2800">
-                <a:latin typeface="Gill Sans"/>
-                <a:ea typeface="Gill Sans"/>
-                <a:cs typeface="Gill Sans"/>
-                <a:sym typeface="Gill Sans"/>
-              </a:defRPr>
-            </a:lvl1pPr>
-          </a:lstStyle>
-          <a:p>
-            <a:r>
-              <a:rPr sz="2400" dirty="0"/>
-              <a:t>value, units</a:t>
-            </a:r>
-          </a:p>
-        </p:txBody>
-      </p:sp>
-      <p:sp>
-        <p:nvSpPr>
-          <p:cNvPr id="71" name="value, units">
+        </p:grpSpPr>
+        <p:sp>
+          <p:nvSpPr>
+            <p:cNvPr id="169" name="1. Anneal"/>
+            <p:cNvSpPr/>
+            <p:nvPr/>
+          </p:nvSpPr>
+          <p:spPr>
+            <a:xfrm>
+              <a:off x="38310670" y="11157771"/>
+              <a:ext cx="1752152" cy="594360"/>
+            </a:xfrm>
+            <a:prstGeom prst="roundRect">
+              <a:avLst>
+                <a:gd name="adj" fmla="val 50000"/>
+              </a:avLst>
+            </a:prstGeom>
+            <a:ln w="50800">
+              <a:solidFill>
+                <a:srgbClr val="5BDDE6"/>
+              </a:solidFill>
+            </a:ln>
+            <a:extLst>
+              <a:ext uri="{C572A759-6A51-4108-AA02-DFA0A04FC94B}">
+                <ma14:wrappingTextBoxFlag xmlns:ma14="http://schemas.microsoft.com/office/mac/drawingml/2011/main" xmlns:a14="http://schemas.microsoft.com/office/drawing/2010/main" xmlns:m="http://schemas.openxmlformats.org/officeDocument/2006/math" xmlns="" val="1"/>
+              </a:ext>
+            </a:extLst>
+          </p:spPr>
+          <p:style>
+            <a:lnRef idx="2">
+              <a:schemeClr val="dk1"/>
+            </a:lnRef>
+            <a:fillRef idx="1">
+              <a:schemeClr val="lt1"/>
+            </a:fillRef>
+            <a:effectRef idx="0">
+              <a:schemeClr val="dk1"/>
+            </a:effectRef>
+            <a:fontRef idx="minor">
+              <a:schemeClr val="dk1"/>
+            </a:fontRef>
+          </p:style>
+          <p:txBody>
+            <a:bodyPr lIns="45719" rIns="45719" anchor="ctr"/>
+            <a:lstStyle>
+              <a:lvl1pPr algn="ctr">
+                <a:defRPr sz="2800">
+                  <a:latin typeface="Gill Sans"/>
+                  <a:ea typeface="Gill Sans"/>
+                  <a:cs typeface="Gill Sans"/>
+                  <a:sym typeface="Gill Sans"/>
+                </a:defRPr>
+              </a:lvl1pPr>
+            </a:lstStyle>
+            <a:p>
+              <a:r>
+                <a:rPr sz="2600" dirty="0"/>
+                <a:t>1. </a:t>
+              </a:r>
+              <a:r>
+                <a:rPr lang="en-US" sz="2600" dirty="0" err="1"/>
+                <a:t>Spincoat</a:t>
+              </a:r>
+              <a:endParaRPr lang="en-US" sz="2600" dirty="0"/>
+            </a:p>
+          </p:txBody>
+        </p:sp>
+        <p:sp>
+          <p:nvSpPr>
+            <p:cNvPr id="170" name="2. Spincoat"/>
+            <p:cNvSpPr/>
+            <p:nvPr/>
+          </p:nvSpPr>
+          <p:spPr>
+            <a:xfrm>
+              <a:off x="38224832" y="12210240"/>
+              <a:ext cx="1923827" cy="594360"/>
+            </a:xfrm>
+            <a:prstGeom prst="roundRect">
+              <a:avLst>
+                <a:gd name="adj" fmla="val 50000"/>
+              </a:avLst>
+            </a:prstGeom>
+            <a:ln w="50800">
+              <a:solidFill>
+                <a:srgbClr val="5BDDE6"/>
+              </a:solidFill>
+            </a:ln>
+            <a:extLst>
+              <a:ext uri="{C572A759-6A51-4108-AA02-DFA0A04FC94B}">
+                <ma14:wrappingTextBoxFlag xmlns:ma14="http://schemas.microsoft.com/office/mac/drawingml/2011/main" xmlns:a14="http://schemas.microsoft.com/office/drawing/2010/main" xmlns:m="http://schemas.openxmlformats.org/officeDocument/2006/math" xmlns="" val="1"/>
+              </a:ext>
+            </a:extLst>
+          </p:spPr>
+          <p:style>
+            <a:lnRef idx="2">
+              <a:schemeClr val="dk1"/>
+            </a:lnRef>
+            <a:fillRef idx="1">
+              <a:schemeClr val="lt1"/>
+            </a:fillRef>
+            <a:effectRef idx="0">
+              <a:schemeClr val="dk1"/>
+            </a:effectRef>
+            <a:fontRef idx="minor">
+              <a:schemeClr val="dk1"/>
+            </a:fontRef>
+          </p:style>
+          <p:txBody>
+            <a:bodyPr lIns="45719" rIns="45719" anchor="ctr"/>
+            <a:lstStyle>
+              <a:lvl1pPr algn="ctr">
+                <a:defRPr sz="2800">
+                  <a:latin typeface="Gill Sans"/>
+                  <a:ea typeface="Gill Sans"/>
+                  <a:cs typeface="Gill Sans"/>
+                  <a:sym typeface="Gill Sans"/>
+                </a:defRPr>
+              </a:lvl1pPr>
+            </a:lstStyle>
+            <a:p>
+              <a:r>
+                <a:rPr sz="2600" dirty="0"/>
+                <a:t>2. </a:t>
+              </a:r>
+              <a:r>
+                <a:rPr lang="en-US" sz="2600" dirty="0"/>
+                <a:t>Anneal</a:t>
+              </a:r>
+              <a:endParaRPr sz="2600" dirty="0"/>
+            </a:p>
+          </p:txBody>
+        </p:sp>
+        <p:sp>
+          <p:nvSpPr>
+            <p:cNvPr id="172" name="3. ect…"/>
+            <p:cNvSpPr/>
+            <p:nvPr/>
+          </p:nvSpPr>
+          <p:spPr>
+            <a:xfrm>
+              <a:off x="38471444" y="13262589"/>
+              <a:ext cx="1430601" cy="594360"/>
+            </a:xfrm>
+            <a:prstGeom prst="roundRect">
+              <a:avLst>
+                <a:gd name="adj" fmla="val 50000"/>
+              </a:avLst>
+            </a:prstGeom>
+            <a:ln w="50800">
+              <a:solidFill>
+                <a:srgbClr val="5BDDE6"/>
+              </a:solidFill>
+              <a:prstDash val="dash"/>
+            </a:ln>
+            <a:extLst>
+              <a:ext uri="{C572A759-6A51-4108-AA02-DFA0A04FC94B}">
+                <ma14:wrappingTextBoxFlag xmlns:ma14="http://schemas.microsoft.com/office/mac/drawingml/2011/main" xmlns:a14="http://schemas.microsoft.com/office/drawing/2010/main" xmlns:m="http://schemas.openxmlformats.org/officeDocument/2006/math" xmlns="" val="1"/>
+              </a:ext>
+            </a:extLst>
+          </p:spPr>
+          <p:style>
+            <a:lnRef idx="2">
+              <a:schemeClr val="dk1"/>
+            </a:lnRef>
+            <a:fillRef idx="1">
+              <a:schemeClr val="lt1"/>
+            </a:fillRef>
+            <a:effectRef idx="0">
+              <a:schemeClr val="dk1"/>
+            </a:effectRef>
+            <a:fontRef idx="minor">
+              <a:schemeClr val="dk1"/>
+            </a:fontRef>
+          </p:style>
+          <p:txBody>
+            <a:bodyPr lIns="45719" rIns="45719" anchor="ctr"/>
+            <a:lstStyle/>
+            <a:p>
+              <a:pPr algn="ctr">
+                <a:defRPr sz="2800">
+                  <a:latin typeface="Gill Sans"/>
+                  <a:ea typeface="Gill Sans"/>
+                  <a:cs typeface="Gill Sans"/>
+                  <a:sym typeface="Gill Sans"/>
+                </a:defRPr>
+              </a:pPr>
+              <a:r>
+                <a:rPr sz="2600" dirty="0"/>
+                <a:t>3. </a:t>
+              </a:r>
+              <a:r>
+                <a:rPr lang="en-US" sz="2600" i="1" dirty="0" err="1"/>
+                <a:t>etc</a:t>
+              </a:r>
+              <a:r>
+                <a:rPr sz="2600" i="1" dirty="0"/>
+                <a:t>…</a:t>
+              </a:r>
+            </a:p>
+          </p:txBody>
+        </p:sp>
+        <p:cxnSp>
+          <p:nvCxnSpPr>
+            <p:cNvPr id="190" name="Straight Arrow Connector 189">
+              <a:extLst>
+                <a:ext uri="{FF2B5EF4-FFF2-40B4-BE49-F238E27FC236}">
+                  <a16:creationId xmlns:a16="http://schemas.microsoft.com/office/drawing/2014/main" id="{2921F334-4D52-A74F-A3B8-B1BD481239DB}"/>
+                </a:ext>
+              </a:extLst>
+            </p:cNvPr>
+            <p:cNvCxnSpPr>
+              <a:cxnSpLocks/>
+              <a:stCxn id="169" idx="2"/>
+              <a:endCxn id="170" idx="0"/>
+            </p:cNvCxnSpPr>
+            <p:nvPr/>
+          </p:nvCxnSpPr>
+          <p:spPr>
+            <a:xfrm>
+              <a:off x="39186746" y="11752131"/>
+              <a:ext cx="0" cy="458109"/>
+            </a:xfrm>
+            <a:prstGeom prst="straightConnector1">
+              <a:avLst/>
+            </a:prstGeom>
+            <a:ln w="38100">
+              <a:tailEnd type="triangle"/>
+            </a:ln>
+          </p:spPr>
+          <p:style>
+            <a:lnRef idx="1">
+              <a:schemeClr val="dk1"/>
+            </a:lnRef>
+            <a:fillRef idx="0">
+              <a:schemeClr val="dk1"/>
+            </a:fillRef>
+            <a:effectRef idx="0">
+              <a:schemeClr val="dk1"/>
+            </a:effectRef>
+            <a:fontRef idx="minor">
+              <a:schemeClr val="tx1"/>
+            </a:fontRef>
+          </p:style>
+        </p:cxnSp>
+        <p:cxnSp>
+          <p:nvCxnSpPr>
+            <p:cNvPr id="191" name="Straight Arrow Connector 190">
+              <a:extLst>
+                <a:ext uri="{FF2B5EF4-FFF2-40B4-BE49-F238E27FC236}">
+                  <a16:creationId xmlns:a16="http://schemas.microsoft.com/office/drawing/2014/main" id="{BF7F2F13-FCA5-BE42-B75A-7CAE247F2FE3}"/>
+                </a:ext>
+              </a:extLst>
+            </p:cNvPr>
+            <p:cNvCxnSpPr>
+              <a:cxnSpLocks/>
+              <a:stCxn id="170" idx="2"/>
+              <a:endCxn id="172" idx="0"/>
+            </p:cNvCxnSpPr>
+            <p:nvPr/>
+          </p:nvCxnSpPr>
+          <p:spPr>
+            <a:xfrm flipH="1">
+              <a:off x="39186745" y="12804600"/>
+              <a:ext cx="1" cy="457989"/>
+            </a:xfrm>
+            <a:prstGeom prst="straightConnector1">
+              <a:avLst/>
+            </a:prstGeom>
+            <a:ln w="38100">
+              <a:tailEnd type="triangle"/>
+            </a:ln>
+          </p:spPr>
+          <p:style>
+            <a:lnRef idx="1">
+              <a:schemeClr val="dk1"/>
+            </a:lnRef>
+            <a:fillRef idx="0">
+              <a:schemeClr val="dk1"/>
+            </a:fillRef>
+            <a:effectRef idx="0">
+              <a:schemeClr val="dk1"/>
+            </a:effectRef>
+            <a:fontRef idx="minor">
+              <a:schemeClr val="tx1"/>
+            </a:fontRef>
+          </p:style>
+        </p:cxnSp>
+        <p:cxnSp>
+          <p:nvCxnSpPr>
+            <p:cNvPr id="200" name="Straight Arrow Connector 199">
+              <a:extLst>
+                <a:ext uri="{FF2B5EF4-FFF2-40B4-BE49-F238E27FC236}">
+                  <a16:creationId xmlns:a16="http://schemas.microsoft.com/office/drawing/2014/main" id="{3A16088B-5923-BA46-A8C4-5C7EA1F1BF84}"/>
+                </a:ext>
+              </a:extLst>
+            </p:cNvPr>
+            <p:cNvCxnSpPr>
+              <a:cxnSpLocks/>
+            </p:cNvCxnSpPr>
+            <p:nvPr/>
+          </p:nvCxnSpPr>
+          <p:spPr>
+            <a:xfrm>
+              <a:off x="39210531" y="13951178"/>
+              <a:ext cx="0" cy="651823"/>
+            </a:xfrm>
+            <a:prstGeom prst="straightConnector1">
+              <a:avLst/>
+            </a:prstGeom>
+            <a:ln w="38100">
+              <a:prstDash val="sysDash"/>
+              <a:tailEnd type="triangle"/>
+            </a:ln>
+          </p:spPr>
+          <p:style>
+            <a:lnRef idx="1">
+              <a:schemeClr val="dk1"/>
+            </a:lnRef>
+            <a:fillRef idx="0">
+              <a:schemeClr val="dk1"/>
+            </a:fillRef>
+            <a:effectRef idx="0">
+              <a:schemeClr val="dk1"/>
+            </a:effectRef>
+            <a:fontRef idx="minor">
+              <a:schemeClr val="tx1"/>
+            </a:fontRef>
+          </p:style>
+        </p:cxnSp>
+      </p:grpSp>
+      <p:cxnSp>
+        <p:nvCxnSpPr>
+          <p:cNvPr id="201" name="Straight Arrow Connector 200">
             <a:extLst>
               <a:ext uri="{FF2B5EF4-FFF2-40B4-BE49-F238E27FC236}">
-                <a16:creationId xmlns:a16="http://schemas.microsoft.com/office/drawing/2014/main" id="{8361EC86-FCE9-224D-888D-2F2EB7489C3E}"/>
+                <a16:creationId xmlns:a16="http://schemas.microsoft.com/office/drawing/2014/main" id="{37BFED67-77F1-0D4D-A1D0-9DAC8437320B}"/>
               </a:ext>
             </a:extLst>
           </p:cNvPr>
-          <p:cNvSpPr/>
+          <p:cNvCxnSpPr>
+            <a:cxnSpLocks/>
+          </p:cNvCxnSpPr>
           <p:nvPr/>
-        </p:nvSpPr>
-        <p:spPr>
-          <a:xfrm>
-            <a:off x="35579041" y="12014323"/>
-            <a:ext cx="1111727" cy="947680"/>
+        </p:nvCxnSpPr>
+        <p:spPr>
+          <a:xfrm flipH="1">
+            <a:off x="32503311" y="9718880"/>
+            <a:ext cx="357349" cy="579211"/>
           </a:xfrm>
-          <a:prstGeom prst="roundRect">
-            <a:avLst>
-              <a:gd name="adj" fmla="val 35381"/>
-            </a:avLst>
-          </a:prstGeom>
-          <a:ln/>
-          <a:extLst>
-            <a:ext uri="{C572A759-6A51-4108-AA02-DFA0A04FC94B}">
-              <ma14:wrappingTextBoxFlag xmlns:ma14="http://schemas.microsoft.com/office/mac/drawingml/2011/main" xmlns:a14="http://schemas.microsoft.com/office/drawing/2010/main" xmlns:m="http://schemas.openxmlformats.org/officeDocument/2006/math" xmlns="" val="1"/>
-            </a:ext>
-          </a:extLst>
+          <a:prstGeom prst="straightConnector1">
+            <a:avLst/>
+          </a:prstGeom>
+          <a:ln w="38100">
+            <a:prstDash val="sysDash"/>
+            <a:tailEnd type="triangle"/>
+          </a:ln>
         </p:spPr>
         <p:style>
-          <a:lnRef idx="2">
+          <a:lnRef idx="1">
             <a:schemeClr val="dk1"/>
           </a:lnRef>
-          <a:fillRef idx="1">
-            <a:schemeClr val="lt1"/>
+          <a:fillRef idx="0">
+            <a:schemeClr val="dk1"/>
           </a:fillRef>
           <a:effectRef idx="0">
             <a:schemeClr val="dk1"/>
           </a:effectRef>
           <a:fontRef idx="minor">
-            <a:schemeClr val="dk1"/>
+            <a:schemeClr val="tx1"/>
           </a:fontRef>
         </p:style>
-        <p:txBody>
-          <a:bodyPr lIns="45719" rIns="45719" anchor="ctr"/>
-          <a:lstStyle>
-            <a:lvl1pPr algn="ctr">
-              <a:defRPr sz="2800">
-                <a:latin typeface="Gill Sans"/>
-                <a:ea typeface="Gill Sans"/>
-                <a:cs typeface="Gill Sans"/>
-                <a:sym typeface="Gill Sans"/>
-              </a:defRPr>
-            </a:lvl1pPr>
-          </a:lstStyle>
-          <a:p>
-            <a:r>
-              <a:rPr sz="2400" dirty="0"/>
-              <a:t>value, units</a:t>
-            </a:r>
-          </a:p>
-        </p:txBody>
-      </p:sp>
+      </p:cxnSp>
     </p:spTree>
   </p:cSld>
   <p:clrMapOvr>

--- a/presentations/Paper_Parser_Poster.pptx
+++ b/presentations/Paper_Parser_Poster.pptx
@@ -3215,6 +3215,453 @@
       </p:grpSpPr>
       <p:sp>
         <p:nvSpPr>
+          <p:cNvPr id="148" name="TextBox 424"/>
+          <p:cNvSpPr txBox="1"/>
+          <p:nvPr/>
+        </p:nvSpPr>
+        <p:spPr>
+          <a:xfrm>
+            <a:off x="32230398" y="6015194"/>
+            <a:ext cx="5981764" cy="707886"/>
+          </a:xfrm>
+          <a:prstGeom prst="rect">
+            <a:avLst/>
+          </a:prstGeom>
+          <a:ln w="12700">
+            <a:miter lim="400000"/>
+          </a:ln>
+          <a:extLst>
+            <a:ext uri="{C572A759-6A51-4108-AA02-DFA0A04FC94B}">
+              <ma14:wrappingTextBoxFlag xmlns:ma14="http://schemas.microsoft.com/office/mac/drawingml/2011/main" xmlns:a14="http://schemas.microsoft.com/office/drawing/2010/main" xmlns:m="http://schemas.openxmlformats.org/officeDocument/2006/math" xmlns="" val="1"/>
+            </a:ext>
+          </a:extLst>
+        </p:spPr>
+        <p:txBody>
+          <a:bodyPr wrap="none" lIns="45719" rIns="45719">
+            <a:spAutoFit/>
+          </a:bodyPr>
+          <a:lstStyle>
+            <a:lvl1pPr>
+              <a:defRPr sz="4000" b="1">
+                <a:latin typeface="Gill Sans Nova"/>
+                <a:ea typeface="Gill Sans Nova"/>
+                <a:cs typeface="Gill Sans Nova"/>
+                <a:sym typeface="Gill Sans Nova"/>
+              </a:defRPr>
+            </a:lvl1pPr>
+          </a:lstStyle>
+          <a:p>
+            <a:r>
+              <a:rPr dirty="0"/>
+              <a:t>OUTPUT DATA </a:t>
+            </a:r>
+            <a:r>
+              <a:rPr lang="en-US" dirty="0"/>
+              <a:t>TREE</a:t>
+            </a:r>
+            <a:endParaRPr dirty="0"/>
+          </a:p>
+        </p:txBody>
+      </p:sp>
+      <p:sp>
+        <p:nvSpPr>
+          <p:cNvPr id="150" name="Rectangle: Rounded Corners 153"/>
+          <p:cNvSpPr/>
+          <p:nvPr/>
+        </p:nvSpPr>
+        <p:spPr>
+          <a:xfrm>
+            <a:off x="32313187" y="6738712"/>
+            <a:ext cx="11130423" cy="8095562"/>
+          </a:xfrm>
+          <a:prstGeom prst="roundRect">
+            <a:avLst>
+              <a:gd name="adj" fmla="val 4345"/>
+            </a:avLst>
+          </a:prstGeom>
+          <a:ln w="76200">
+            <a:solidFill>
+              <a:srgbClr val="2C0460"/>
+            </a:solidFill>
+          </a:ln>
+        </p:spPr>
+        <p:txBody>
+          <a:bodyPr lIns="45719" rIns="45719" anchor="ctr"/>
+          <a:lstStyle/>
+          <a:p>
+            <a:pPr algn="ctr">
+              <a:defRPr sz="41400">
+                <a:solidFill>
+                  <a:srgbClr val="7030A0"/>
+                </a:solidFill>
+                <a:latin typeface="Gill Sans Nova"/>
+                <a:ea typeface="Gill Sans Nova"/>
+                <a:cs typeface="Gill Sans Nova"/>
+                <a:sym typeface="Gill Sans Nova"/>
+              </a:defRPr>
+            </a:pPr>
+            <a:endParaRPr/>
+          </a:p>
+        </p:txBody>
+      </p:sp>
+      <p:grpSp>
+        <p:nvGrpSpPr>
+          <p:cNvPr id="158" name="Rectangle 318"/>
+          <p:cNvGrpSpPr/>
+          <p:nvPr/>
+        </p:nvGrpSpPr>
+        <p:grpSpPr>
+          <a:xfrm>
+            <a:off x="32353401" y="4902960"/>
+            <a:ext cx="11030788" cy="1011451"/>
+            <a:chOff x="0" y="0"/>
+            <a:chExt cx="11030786" cy="1011449"/>
+          </a:xfrm>
+        </p:grpSpPr>
+        <p:sp>
+          <p:nvSpPr>
+            <p:cNvPr id="156" name="Rectangle"/>
+            <p:cNvSpPr/>
+            <p:nvPr/>
+          </p:nvSpPr>
+          <p:spPr>
+            <a:xfrm>
+              <a:off x="-1" y="0"/>
+              <a:ext cx="11030788" cy="1011450"/>
+            </a:xfrm>
+            <a:prstGeom prst="rect">
+              <a:avLst/>
+            </a:prstGeom>
+            <a:solidFill>
+              <a:srgbClr val="320064"/>
+            </a:solidFill>
+            <a:ln w="12700" cap="flat">
+              <a:solidFill>
+                <a:srgbClr val="320064"/>
+              </a:solidFill>
+              <a:prstDash val="solid"/>
+              <a:miter lim="800000"/>
+            </a:ln>
+            <a:effectLst/>
+          </p:spPr>
+          <p:txBody>
+            <a:bodyPr wrap="square" lIns="45719" tIns="45719" rIns="45719" bIns="45719" numCol="1" anchor="ctr">
+              <a:noAutofit/>
+            </a:bodyPr>
+            <a:lstStyle/>
+            <a:p>
+              <a:pPr algn="ctr">
+                <a:defRPr sz="2800">
+                  <a:solidFill>
+                    <a:srgbClr val="FFFFFF"/>
+                  </a:solidFill>
+                  <a:latin typeface="Gill Sans"/>
+                  <a:ea typeface="Gill Sans"/>
+                  <a:cs typeface="Gill Sans"/>
+                  <a:sym typeface="Gill Sans"/>
+                </a:defRPr>
+              </a:pPr>
+              <a:endParaRPr/>
+            </a:p>
+          </p:txBody>
+        </p:sp>
+        <p:sp>
+          <p:nvSpPr>
+            <p:cNvPr id="157" name="Results"/>
+            <p:cNvSpPr txBox="1"/>
+            <p:nvPr/>
+          </p:nvSpPr>
+          <p:spPr>
+            <a:xfrm>
+              <a:off x="-1" y="47255"/>
+              <a:ext cx="11030788" cy="916941"/>
+            </a:xfrm>
+            <a:prstGeom prst="rect">
+              <a:avLst/>
+            </a:prstGeom>
+            <a:noFill/>
+            <a:ln w="12700" cap="flat">
+              <a:noFill/>
+              <a:miter lim="400000"/>
+            </a:ln>
+            <a:effectLst/>
+            <a:extLst>
+              <a:ext uri="{C572A759-6A51-4108-AA02-DFA0A04FC94B}">
+                <ma14:wrappingTextBoxFlag xmlns:ma14="http://schemas.microsoft.com/office/mac/drawingml/2011/main" xmlns:a14="http://schemas.microsoft.com/office/drawing/2010/main" xmlns:m="http://schemas.openxmlformats.org/officeDocument/2006/math" xmlns="" val="1"/>
+              </a:ext>
+            </a:extLst>
+          </p:spPr>
+          <p:txBody>
+            <a:bodyPr wrap="square" lIns="45719" tIns="45719" rIns="45719" bIns="45719" numCol="1" anchor="ctr">
+              <a:spAutoFit/>
+            </a:bodyPr>
+            <a:lstStyle>
+              <a:lvl1pPr algn="ctr">
+                <a:defRPr sz="5400">
+                  <a:solidFill>
+                    <a:srgbClr val="FFFFFF"/>
+                  </a:solidFill>
+                  <a:latin typeface="Gill Sans Nova"/>
+                  <a:ea typeface="Gill Sans Nova"/>
+                  <a:cs typeface="Gill Sans Nova"/>
+                  <a:sym typeface="Gill Sans Nova"/>
+                </a:defRPr>
+              </a:lvl1pPr>
+            </a:lstStyle>
+            <a:p>
+              <a:r>
+                <a:t>Results</a:t>
+              </a:r>
+            </a:p>
+          </p:txBody>
+        </p:sp>
+      </p:grpSp>
+      <p:sp>
+        <p:nvSpPr>
+          <p:cNvPr id="165" name="PCE"/>
+          <p:cNvSpPr/>
+          <p:nvPr/>
+        </p:nvSpPr>
+        <p:spPr>
+          <a:xfrm>
+            <a:off x="39938817" y="10383715"/>
+            <a:ext cx="1131676" cy="594360"/>
+          </a:xfrm>
+          <a:prstGeom prst="roundRect">
+            <a:avLst>
+              <a:gd name="adj" fmla="val 50000"/>
+            </a:avLst>
+          </a:prstGeom>
+          <a:ln w="63500">
+            <a:solidFill>
+              <a:schemeClr val="accent2"/>
+            </a:solidFill>
+          </a:ln>
+          <a:extLst>
+            <a:ext uri="{C572A759-6A51-4108-AA02-DFA0A04FC94B}">
+              <ma14:wrappingTextBoxFlag xmlns:ma14="http://schemas.microsoft.com/office/mac/drawingml/2011/main" xmlns:a14="http://schemas.microsoft.com/office/drawing/2010/main" xmlns:m="http://schemas.openxmlformats.org/officeDocument/2006/math" xmlns="" val="1"/>
+            </a:ext>
+          </a:extLst>
+        </p:spPr>
+        <p:style>
+          <a:lnRef idx="2">
+            <a:schemeClr val="dk1"/>
+          </a:lnRef>
+          <a:fillRef idx="1">
+            <a:schemeClr val="lt1"/>
+          </a:fillRef>
+          <a:effectRef idx="0">
+            <a:schemeClr val="dk1"/>
+          </a:effectRef>
+          <a:fontRef idx="minor">
+            <a:schemeClr val="dk1"/>
+          </a:fontRef>
+        </p:style>
+        <p:txBody>
+          <a:bodyPr lIns="45719" rIns="45719" anchor="ctr"/>
+          <a:lstStyle>
+            <a:lvl1pPr algn="ctr">
+              <a:defRPr sz="2800">
+                <a:latin typeface="Gill Sans"/>
+                <a:ea typeface="Gill Sans"/>
+                <a:cs typeface="Gill Sans"/>
+                <a:sym typeface="Gill Sans"/>
+              </a:defRPr>
+            </a:lvl1pPr>
+          </a:lstStyle>
+          <a:p>
+            <a:r>
+              <a:rPr sz="2600" dirty="0"/>
+              <a:t>PCE</a:t>
+            </a:r>
+          </a:p>
+        </p:txBody>
+      </p:sp>
+      <p:sp>
+        <p:nvSpPr>
+          <p:cNvPr id="166" name="JSC"/>
+          <p:cNvSpPr/>
+          <p:nvPr/>
+        </p:nvSpPr>
+        <p:spPr>
+          <a:xfrm>
+            <a:off x="40886972" y="9661200"/>
+            <a:ext cx="1131677" cy="594360"/>
+          </a:xfrm>
+          <a:prstGeom prst="roundRect">
+            <a:avLst>
+              <a:gd name="adj" fmla="val 50000"/>
+            </a:avLst>
+          </a:prstGeom>
+          <a:ln w="63500">
+            <a:solidFill>
+              <a:schemeClr val="accent2"/>
+            </a:solidFill>
+          </a:ln>
+          <a:extLst>
+            <a:ext uri="{C572A759-6A51-4108-AA02-DFA0A04FC94B}">
+              <ma14:wrappingTextBoxFlag xmlns:ma14="http://schemas.microsoft.com/office/mac/drawingml/2011/main" xmlns:a14="http://schemas.microsoft.com/office/drawing/2010/main" xmlns:m="http://schemas.openxmlformats.org/officeDocument/2006/math" xmlns="" val="1"/>
+            </a:ext>
+          </a:extLst>
+        </p:spPr>
+        <p:style>
+          <a:lnRef idx="2">
+            <a:schemeClr val="dk1"/>
+          </a:lnRef>
+          <a:fillRef idx="1">
+            <a:schemeClr val="lt1"/>
+          </a:fillRef>
+          <a:effectRef idx="0">
+            <a:schemeClr val="dk1"/>
+          </a:effectRef>
+          <a:fontRef idx="minor">
+            <a:schemeClr val="dk1"/>
+          </a:fontRef>
+        </p:style>
+        <p:txBody>
+          <a:bodyPr lIns="45719" rIns="45719" anchor="ctr"/>
+          <a:lstStyle>
+            <a:lvl1pPr algn="ctr">
+              <a:defRPr sz="2800">
+                <a:latin typeface="Gill Sans"/>
+                <a:ea typeface="Gill Sans"/>
+                <a:cs typeface="Gill Sans"/>
+                <a:sym typeface="Gill Sans"/>
+              </a:defRPr>
+            </a:lvl1pPr>
+          </a:lstStyle>
+          <a:p>
+            <a:r>
+              <a:rPr sz="2600" dirty="0"/>
+              <a:t>JSC</a:t>
+            </a:r>
+          </a:p>
+        </p:txBody>
+      </p:sp>
+      <p:sp>
+        <p:nvSpPr>
+          <p:cNvPr id="167" name="VOC"/>
+          <p:cNvSpPr/>
+          <p:nvPr/>
+        </p:nvSpPr>
+        <p:spPr>
+          <a:xfrm>
+            <a:off x="41835128" y="8938684"/>
+            <a:ext cx="1241034" cy="594360"/>
+          </a:xfrm>
+          <a:prstGeom prst="roundRect">
+            <a:avLst>
+              <a:gd name="adj" fmla="val 50000"/>
+            </a:avLst>
+          </a:prstGeom>
+          <a:ln w="63500">
+            <a:solidFill>
+              <a:schemeClr val="accent2"/>
+            </a:solidFill>
+          </a:ln>
+          <a:extLst>
+            <a:ext uri="{C572A759-6A51-4108-AA02-DFA0A04FC94B}">
+              <ma14:wrappingTextBoxFlag xmlns:ma14="http://schemas.microsoft.com/office/mac/drawingml/2011/main" xmlns:a14="http://schemas.microsoft.com/office/drawing/2010/main" xmlns:m="http://schemas.openxmlformats.org/officeDocument/2006/math" xmlns="" val="1"/>
+            </a:ext>
+          </a:extLst>
+        </p:spPr>
+        <p:style>
+          <a:lnRef idx="2">
+            <a:schemeClr val="dk1"/>
+          </a:lnRef>
+          <a:fillRef idx="1">
+            <a:schemeClr val="lt1"/>
+          </a:fillRef>
+          <a:effectRef idx="0">
+            <a:schemeClr val="dk1"/>
+          </a:effectRef>
+          <a:fontRef idx="minor">
+            <a:schemeClr val="dk1"/>
+          </a:fontRef>
+        </p:style>
+        <p:txBody>
+          <a:bodyPr lIns="45719" rIns="45719" anchor="ctr"/>
+          <a:lstStyle>
+            <a:lvl1pPr algn="ctr">
+              <a:defRPr sz="2800">
+                <a:latin typeface="Gill Sans"/>
+                <a:ea typeface="Gill Sans"/>
+                <a:cs typeface="Gill Sans"/>
+                <a:sym typeface="Gill Sans"/>
+              </a:defRPr>
+            </a:lvl1pPr>
+          </a:lstStyle>
+          <a:p>
+            <a:r>
+              <a:rPr sz="2600" dirty="0"/>
+              <a:t>VOC</a:t>
+            </a:r>
+          </a:p>
+        </p:txBody>
+      </p:sp>
+      <p:sp>
+        <p:nvSpPr>
+          <p:cNvPr id="168" name="Step Order"/>
+          <p:cNvSpPr/>
+          <p:nvPr/>
+        </p:nvSpPr>
+        <p:spPr>
+          <a:xfrm>
+            <a:off x="37124558" y="9265387"/>
+            <a:ext cx="2085973" cy="594360"/>
+          </a:xfrm>
+          <a:prstGeom prst="roundRect">
+            <a:avLst>
+              <a:gd name="adj" fmla="val 50000"/>
+            </a:avLst>
+          </a:prstGeom>
+          <a:ln w="63500">
+            <a:solidFill>
+              <a:schemeClr val="accent1"/>
+            </a:solidFill>
+          </a:ln>
+          <a:extLst>
+            <a:ext uri="{C572A759-6A51-4108-AA02-DFA0A04FC94B}">
+              <ma14:wrappingTextBoxFlag xmlns:ma14="http://schemas.microsoft.com/office/mac/drawingml/2011/main" xmlns:a14="http://schemas.microsoft.com/office/drawing/2010/main" xmlns:m="http://schemas.openxmlformats.org/officeDocument/2006/math" xmlns="" val="1"/>
+            </a:ext>
+          </a:extLst>
+        </p:spPr>
+        <p:style>
+          <a:lnRef idx="2">
+            <a:schemeClr val="dk1"/>
+          </a:lnRef>
+          <a:fillRef idx="1">
+            <a:schemeClr val="lt1"/>
+          </a:fillRef>
+          <a:effectRef idx="0">
+            <a:schemeClr val="dk1"/>
+          </a:effectRef>
+          <a:fontRef idx="minor">
+            <a:schemeClr val="dk1"/>
+          </a:fontRef>
+        </p:style>
+        <p:txBody>
+          <a:bodyPr lIns="45719" rIns="45719" anchor="ctr"/>
+          <a:lstStyle>
+            <a:lvl1pPr algn="ctr">
+              <a:defRPr sz="2800">
+                <a:latin typeface="Gill Sans"/>
+                <a:ea typeface="Gill Sans"/>
+                <a:cs typeface="Gill Sans"/>
+                <a:sym typeface="Gill Sans"/>
+              </a:defRPr>
+            </a:lvl1pPr>
+          </a:lstStyle>
+          <a:p>
+            <a:r>
+              <a:rPr sz="2600" dirty="0"/>
+              <a:t>Step Order</a:t>
+            </a:r>
+          </a:p>
+        </p:txBody>
+      </p:sp>
+      <p:sp>
+        <p:nvSpPr>
           <p:cNvPr id="121" name="Rectangle 15"/>
           <p:cNvSpPr/>
           <p:nvPr/>
@@ -4363,14 +4810,141 @@
       </p:sp>
       <p:sp>
         <p:nvSpPr>
-          <p:cNvPr id="148" name="TextBox 424"/>
+          <p:cNvPr id="151" name="Rounded Rectangle 10"/>
+          <p:cNvSpPr/>
+          <p:nvPr/>
+        </p:nvSpPr>
+        <p:spPr>
+          <a:xfrm>
+            <a:off x="1732387" y="7584117"/>
+            <a:ext cx="5681000" cy="5177381"/>
+          </a:xfrm>
+          <a:prstGeom prst="roundRect">
+            <a:avLst>
+              <a:gd name="adj" fmla="val 5449"/>
+            </a:avLst>
+          </a:prstGeom>
+          <a:ln w="12700">
+            <a:solidFill>
+              <a:srgbClr val="2C0460"/>
+            </a:solidFill>
+            <a:prstDash val="sysDot"/>
+            <a:miter/>
+          </a:ln>
+        </p:spPr>
+        <p:txBody>
+          <a:bodyPr lIns="45719" rIns="45719" anchor="ctr"/>
+          <a:lstStyle/>
+          <a:p>
+            <a:pPr algn="ctr">
+              <a:defRPr sz="2800">
+                <a:solidFill>
+                  <a:srgbClr val="FFFFFF"/>
+                </a:solidFill>
+                <a:latin typeface="Gill Sans Nova"/>
+                <a:ea typeface="Gill Sans Nova"/>
+                <a:cs typeface="Gill Sans Nova"/>
+                <a:sym typeface="Gill Sans Nova"/>
+              </a:defRPr>
+            </a:pPr>
+            <a:endParaRPr/>
+          </a:p>
+        </p:txBody>
+      </p:sp>
+      <p:sp>
+        <p:nvSpPr>
+          <p:cNvPr id="152" name="Rectangle 307"/>
+          <p:cNvSpPr/>
+          <p:nvPr/>
+        </p:nvSpPr>
+        <p:spPr>
+          <a:xfrm>
+            <a:off x="-12174" y="31653407"/>
+            <a:ext cx="43891201" cy="1200330"/>
+          </a:xfrm>
+          <a:prstGeom prst="rect">
+            <a:avLst/>
+          </a:prstGeom>
+          <a:solidFill>
+            <a:srgbClr val="320064"/>
+          </a:solidFill>
+          <a:ln w="12700">
+            <a:solidFill>
+              <a:srgbClr val="320064"/>
+            </a:solidFill>
+            <a:miter/>
+          </a:ln>
+        </p:spPr>
+        <p:txBody>
+          <a:bodyPr lIns="45719" rIns="45719" anchor="ctr"/>
+          <a:lstStyle/>
+          <a:p>
+            <a:pPr algn="ctr">
+              <a:defRPr sz="4800">
+                <a:solidFill>
+                  <a:srgbClr val="FFFFFF"/>
+                </a:solidFill>
+                <a:latin typeface="Gill Sans Nova"/>
+                <a:ea typeface="Gill Sans Nova"/>
+                <a:cs typeface="Gill Sans Nova"/>
+                <a:sym typeface="Gill Sans Nova"/>
+              </a:defRPr>
+            </a:pPr>
+            <a:endParaRPr/>
+          </a:p>
+        </p:txBody>
+      </p:sp>
+      <p:sp>
+        <p:nvSpPr>
+          <p:cNvPr id="153" name="Rectangle: Rounded Corners 308"/>
+          <p:cNvSpPr/>
+          <p:nvPr/>
+        </p:nvSpPr>
+        <p:spPr>
+          <a:xfrm>
+            <a:off x="22262585" y="15720139"/>
+            <a:ext cx="9542631" cy="5994284"/>
+          </a:xfrm>
+          <a:prstGeom prst="roundRect">
+            <a:avLst>
+              <a:gd name="adj" fmla="val 6089"/>
+            </a:avLst>
+          </a:prstGeom>
+          <a:ln w="76200">
+            <a:solidFill>
+              <a:srgbClr val="2C0460"/>
+            </a:solidFill>
+          </a:ln>
+        </p:spPr>
+        <p:txBody>
+          <a:bodyPr lIns="45719" rIns="45719" anchor="ctr"/>
+          <a:lstStyle/>
+          <a:p>
+            <a:pPr algn="ctr">
+              <a:defRPr sz="41400">
+                <a:solidFill>
+                  <a:srgbClr val="7030A0"/>
+                </a:solidFill>
+                <a:latin typeface="Gill Sans Nova"/>
+                <a:ea typeface="Gill Sans Nova"/>
+                <a:cs typeface="Gill Sans Nova"/>
+                <a:sym typeface="Gill Sans Nova"/>
+              </a:defRPr>
+            </a:pPr>
+            <a:endParaRPr/>
+          </a:p>
+        </p:txBody>
+      </p:sp>
+      <p:sp>
+        <p:nvSpPr>
+          <p:cNvPr id="154" name="TextBox 314"/>
           <p:cNvSpPr txBox="1"/>
           <p:nvPr/>
         </p:nvSpPr>
         <p:spPr>
           <a:xfrm>
-            <a:off x="32230398" y="6015194"/>
-            <a:ext cx="5981764" cy="707886"/>
+            <a:off x="22262584" y="14910821"/>
+            <a:ext cx="6426607" cy="701041"/>
           </a:xfrm>
           <a:prstGeom prst="rect">
             <a:avLst/>
@@ -4400,195 +4974,21 @@
           </a:lstStyle>
           <a:p>
             <a:r>
-              <a:rPr dirty="0"/>
-              <a:t>OUTPUT DATA </a:t>
-            </a:r>
-            <a:r>
-              <a:rPr lang="en-US" dirty="0"/>
-              <a:t>TREE</a:t>
-            </a:r>
-            <a:endParaRPr dirty="0"/>
+              <a:t>SYNTHESIS EXTRACTION</a:t>
+            </a:r>
           </a:p>
         </p:txBody>
       </p:sp>
       <p:sp>
         <p:nvSpPr>
-          <p:cNvPr id="150" name="Rectangle: Rounded Corners 153"/>
-          <p:cNvSpPr/>
-          <p:nvPr/>
-        </p:nvSpPr>
-        <p:spPr>
-          <a:xfrm>
-            <a:off x="32313187" y="6738712"/>
-            <a:ext cx="11130423" cy="8095562"/>
-          </a:xfrm>
-          <a:prstGeom prst="roundRect">
-            <a:avLst>
-              <a:gd name="adj" fmla="val 4345"/>
-            </a:avLst>
-          </a:prstGeom>
-          <a:ln w="76200">
-            <a:solidFill>
-              <a:srgbClr val="2C0460"/>
-            </a:solidFill>
-          </a:ln>
-        </p:spPr>
-        <p:txBody>
-          <a:bodyPr lIns="45719" rIns="45719" anchor="ctr"/>
-          <a:lstStyle/>
-          <a:p>
-            <a:pPr algn="ctr">
-              <a:defRPr sz="41400">
-                <a:solidFill>
-                  <a:srgbClr val="7030A0"/>
-                </a:solidFill>
-                <a:latin typeface="Gill Sans Nova"/>
-                <a:ea typeface="Gill Sans Nova"/>
-                <a:cs typeface="Gill Sans Nova"/>
-                <a:sym typeface="Gill Sans Nova"/>
-              </a:defRPr>
-            </a:pPr>
-            <a:endParaRPr/>
-          </a:p>
-        </p:txBody>
-      </p:sp>
-      <p:sp>
-        <p:nvSpPr>
-          <p:cNvPr id="151" name="Rounded Rectangle 10"/>
-          <p:cNvSpPr/>
-          <p:nvPr/>
-        </p:nvSpPr>
-        <p:spPr>
-          <a:xfrm>
-            <a:off x="1732387" y="7584117"/>
-            <a:ext cx="5681000" cy="5177381"/>
-          </a:xfrm>
-          <a:prstGeom prst="roundRect">
-            <a:avLst>
-              <a:gd name="adj" fmla="val 5449"/>
-            </a:avLst>
-          </a:prstGeom>
-          <a:ln w="12700">
-            <a:solidFill>
-              <a:srgbClr val="2C0460"/>
-            </a:solidFill>
-            <a:prstDash val="sysDot"/>
-            <a:miter/>
-          </a:ln>
-        </p:spPr>
-        <p:txBody>
-          <a:bodyPr lIns="45719" rIns="45719" anchor="ctr"/>
-          <a:lstStyle/>
-          <a:p>
-            <a:pPr algn="ctr">
-              <a:defRPr sz="2800">
-                <a:solidFill>
-                  <a:srgbClr val="FFFFFF"/>
-                </a:solidFill>
-                <a:latin typeface="Gill Sans Nova"/>
-                <a:ea typeface="Gill Sans Nova"/>
-                <a:cs typeface="Gill Sans Nova"/>
-                <a:sym typeface="Gill Sans Nova"/>
-              </a:defRPr>
-            </a:pPr>
-            <a:endParaRPr/>
-          </a:p>
-        </p:txBody>
-      </p:sp>
-      <p:sp>
-        <p:nvSpPr>
-          <p:cNvPr id="152" name="Rectangle 307"/>
-          <p:cNvSpPr/>
-          <p:nvPr/>
-        </p:nvSpPr>
-        <p:spPr>
-          <a:xfrm>
-            <a:off x="-12174" y="31653407"/>
-            <a:ext cx="43891201" cy="1200330"/>
-          </a:xfrm>
-          <a:prstGeom prst="rect">
-            <a:avLst/>
-          </a:prstGeom>
-          <a:solidFill>
-            <a:srgbClr val="320064"/>
-          </a:solidFill>
-          <a:ln w="12700">
-            <a:solidFill>
-              <a:srgbClr val="320064"/>
-            </a:solidFill>
-            <a:miter/>
-          </a:ln>
-        </p:spPr>
-        <p:txBody>
-          <a:bodyPr lIns="45719" rIns="45719" anchor="ctr"/>
-          <a:lstStyle/>
-          <a:p>
-            <a:pPr algn="ctr">
-              <a:defRPr sz="4800">
-                <a:solidFill>
-                  <a:srgbClr val="FFFFFF"/>
-                </a:solidFill>
-                <a:latin typeface="Gill Sans Nova"/>
-                <a:ea typeface="Gill Sans Nova"/>
-                <a:cs typeface="Gill Sans Nova"/>
-                <a:sym typeface="Gill Sans Nova"/>
-              </a:defRPr>
-            </a:pPr>
-            <a:endParaRPr/>
-          </a:p>
-        </p:txBody>
-      </p:sp>
-      <p:sp>
-        <p:nvSpPr>
-          <p:cNvPr id="153" name="Rectangle: Rounded Corners 308"/>
-          <p:cNvSpPr/>
-          <p:nvPr/>
-        </p:nvSpPr>
-        <p:spPr>
-          <a:xfrm>
-            <a:off x="22262585" y="15720139"/>
-            <a:ext cx="9542631" cy="5994284"/>
-          </a:xfrm>
-          <a:prstGeom prst="roundRect">
-            <a:avLst>
-              <a:gd name="adj" fmla="val 6089"/>
-            </a:avLst>
-          </a:prstGeom>
-          <a:ln w="76200">
-            <a:solidFill>
-              <a:srgbClr val="2C0460"/>
-            </a:solidFill>
-          </a:ln>
-        </p:spPr>
-        <p:txBody>
-          <a:bodyPr lIns="45719" rIns="45719" anchor="ctr"/>
-          <a:lstStyle/>
-          <a:p>
-            <a:pPr algn="ctr">
-              <a:defRPr sz="41400">
-                <a:solidFill>
-                  <a:srgbClr val="7030A0"/>
-                </a:solidFill>
-                <a:latin typeface="Gill Sans Nova"/>
-                <a:ea typeface="Gill Sans Nova"/>
-                <a:cs typeface="Gill Sans Nova"/>
-                <a:sym typeface="Gill Sans Nova"/>
-              </a:defRPr>
-            </a:pPr>
-            <a:endParaRPr/>
-          </a:p>
-        </p:txBody>
-      </p:sp>
-      <p:sp>
-        <p:nvSpPr>
-          <p:cNvPr id="154" name="TextBox 314"/>
+          <p:cNvPr id="155" name="TextBox 316"/>
           <p:cNvSpPr txBox="1"/>
           <p:nvPr/>
         </p:nvSpPr>
         <p:spPr>
           <a:xfrm>
-            <a:off x="22262584" y="14910821"/>
-            <a:ext cx="6426607" cy="701041"/>
+            <a:off x="22262583" y="22005559"/>
+            <a:ext cx="7526696" cy="701041"/>
           </a:xfrm>
           <a:prstGeom prst="rect">
             <a:avLst/>
@@ -4618,167 +5018,11 @@
           </a:lstStyle>
           <a:p>
             <a:r>
-              <a:t>SYNTHESIS EXTRACTION</a:t>
+              <a:t>PERFORMANCE EXTRACTION</a:t>
             </a:r>
           </a:p>
         </p:txBody>
       </p:sp>
-      <p:sp>
-        <p:nvSpPr>
-          <p:cNvPr id="155" name="TextBox 316"/>
-          <p:cNvSpPr txBox="1"/>
-          <p:nvPr/>
-        </p:nvSpPr>
-        <p:spPr>
-          <a:xfrm>
-            <a:off x="22262583" y="22005559"/>
-            <a:ext cx="7526696" cy="701041"/>
-          </a:xfrm>
-          <a:prstGeom prst="rect">
-            <a:avLst/>
-          </a:prstGeom>
-          <a:ln w="12700">
-            <a:miter lim="400000"/>
-          </a:ln>
-          <a:extLst>
-            <a:ext uri="{C572A759-6A51-4108-AA02-DFA0A04FC94B}">
-              <ma14:wrappingTextBoxFlag xmlns:ma14="http://schemas.microsoft.com/office/mac/drawingml/2011/main" xmlns:a14="http://schemas.microsoft.com/office/drawing/2010/main" xmlns:m="http://schemas.openxmlformats.org/officeDocument/2006/math" xmlns="" val="1"/>
-            </a:ext>
-          </a:extLst>
-        </p:spPr>
-        <p:txBody>
-          <a:bodyPr wrap="none" lIns="45719" rIns="45719">
-            <a:spAutoFit/>
-          </a:bodyPr>
-          <a:lstStyle>
-            <a:lvl1pPr>
-              <a:defRPr sz="4000" b="1">
-                <a:latin typeface="Gill Sans Nova"/>
-                <a:ea typeface="Gill Sans Nova"/>
-                <a:cs typeface="Gill Sans Nova"/>
-                <a:sym typeface="Gill Sans Nova"/>
-              </a:defRPr>
-            </a:lvl1pPr>
-          </a:lstStyle>
-          <a:p>
-            <a:r>
-              <a:t>PERFORMANCE EXTRACTION</a:t>
-            </a:r>
-          </a:p>
-        </p:txBody>
-      </p:sp>
-      <p:grpSp>
-        <p:nvGrpSpPr>
-          <p:cNvPr id="158" name="Rectangle 318"/>
-          <p:cNvGrpSpPr/>
-          <p:nvPr/>
-        </p:nvGrpSpPr>
-        <p:grpSpPr>
-          <a:xfrm>
-            <a:off x="32353401" y="4902960"/>
-            <a:ext cx="11030788" cy="1011451"/>
-            <a:chOff x="0" y="0"/>
-            <a:chExt cx="11030786" cy="1011449"/>
-          </a:xfrm>
-        </p:grpSpPr>
-        <p:sp>
-          <p:nvSpPr>
-            <p:cNvPr id="156" name="Rectangle"/>
-            <p:cNvSpPr/>
-            <p:nvPr/>
-          </p:nvSpPr>
-          <p:spPr>
-            <a:xfrm>
-              <a:off x="-1" y="0"/>
-              <a:ext cx="11030788" cy="1011450"/>
-            </a:xfrm>
-            <a:prstGeom prst="rect">
-              <a:avLst/>
-            </a:prstGeom>
-            <a:solidFill>
-              <a:srgbClr val="320064"/>
-            </a:solidFill>
-            <a:ln w="12700" cap="flat">
-              <a:solidFill>
-                <a:srgbClr val="320064"/>
-              </a:solidFill>
-              <a:prstDash val="solid"/>
-              <a:miter lim="800000"/>
-            </a:ln>
-            <a:effectLst/>
-          </p:spPr>
-          <p:txBody>
-            <a:bodyPr wrap="square" lIns="45719" tIns="45719" rIns="45719" bIns="45719" numCol="1" anchor="ctr">
-              <a:noAutofit/>
-            </a:bodyPr>
-            <a:lstStyle/>
-            <a:p>
-              <a:pPr algn="ctr">
-                <a:defRPr sz="2800">
-                  <a:solidFill>
-                    <a:srgbClr val="FFFFFF"/>
-                  </a:solidFill>
-                  <a:latin typeface="Gill Sans"/>
-                  <a:ea typeface="Gill Sans"/>
-                  <a:cs typeface="Gill Sans"/>
-                  <a:sym typeface="Gill Sans"/>
-                </a:defRPr>
-              </a:pPr>
-              <a:endParaRPr/>
-            </a:p>
-          </p:txBody>
-        </p:sp>
-        <p:sp>
-          <p:nvSpPr>
-            <p:cNvPr id="157" name="Results"/>
-            <p:cNvSpPr txBox="1"/>
-            <p:nvPr/>
-          </p:nvSpPr>
-          <p:spPr>
-            <a:xfrm>
-              <a:off x="-1" y="47255"/>
-              <a:ext cx="11030788" cy="916941"/>
-            </a:xfrm>
-            <a:prstGeom prst="rect">
-              <a:avLst/>
-            </a:prstGeom>
-            <a:noFill/>
-            <a:ln w="12700" cap="flat">
-              <a:noFill/>
-              <a:miter lim="400000"/>
-            </a:ln>
-            <a:effectLst/>
-            <a:extLst>
-              <a:ext uri="{C572A759-6A51-4108-AA02-DFA0A04FC94B}">
-                <ma14:wrappingTextBoxFlag xmlns:ma14="http://schemas.microsoft.com/office/mac/drawingml/2011/main" xmlns:a14="http://schemas.microsoft.com/office/drawing/2010/main" xmlns:m="http://schemas.openxmlformats.org/officeDocument/2006/math" xmlns="" val="1"/>
-              </a:ext>
-            </a:extLst>
-          </p:spPr>
-          <p:txBody>
-            <a:bodyPr wrap="square" lIns="45719" tIns="45719" rIns="45719" bIns="45719" numCol="1" anchor="ctr">
-              <a:spAutoFit/>
-            </a:bodyPr>
-            <a:lstStyle>
-              <a:lvl1pPr algn="ctr">
-                <a:defRPr sz="5400">
-                  <a:solidFill>
-                    <a:srgbClr val="FFFFFF"/>
-                  </a:solidFill>
-                  <a:latin typeface="Gill Sans Nova"/>
-                  <a:ea typeface="Gill Sans Nova"/>
-                  <a:cs typeface="Gill Sans Nova"/>
-                  <a:sym typeface="Gill Sans Nova"/>
-                </a:defRPr>
-              </a:lvl1pPr>
-            </a:lstStyle>
-            <a:p>
-              <a:r>
-                <a:t>Results</a:t>
-              </a:r>
-            </a:p>
-          </p:txBody>
-        </p:sp>
-      </p:grpSp>
       <p:pic>
         <p:nvPicPr>
           <p:cNvPr id="159" name="Picture 321" descr="Picture 321"/>
@@ -4866,250 +5110,6 @@
           </a:ln>
         </p:spPr>
       </p:pic>
-      <p:sp>
-        <p:nvSpPr>
-          <p:cNvPr id="165" name="PCE"/>
-          <p:cNvSpPr/>
-          <p:nvPr/>
-        </p:nvSpPr>
-        <p:spPr>
-          <a:xfrm>
-            <a:off x="39938817" y="10383715"/>
-            <a:ext cx="1131676" cy="594360"/>
-          </a:xfrm>
-          <a:prstGeom prst="roundRect">
-            <a:avLst>
-              <a:gd name="adj" fmla="val 50000"/>
-            </a:avLst>
-          </a:prstGeom>
-          <a:ln w="63500">
-            <a:solidFill>
-              <a:schemeClr val="accent2"/>
-            </a:solidFill>
-          </a:ln>
-          <a:extLst>
-            <a:ext uri="{C572A759-6A51-4108-AA02-DFA0A04FC94B}">
-              <ma14:wrappingTextBoxFlag xmlns:ma14="http://schemas.microsoft.com/office/mac/drawingml/2011/main" xmlns:a14="http://schemas.microsoft.com/office/drawing/2010/main" xmlns:m="http://schemas.openxmlformats.org/officeDocument/2006/math" xmlns="" val="1"/>
-            </a:ext>
-          </a:extLst>
-        </p:spPr>
-        <p:style>
-          <a:lnRef idx="2">
-            <a:schemeClr val="dk1"/>
-          </a:lnRef>
-          <a:fillRef idx="1">
-            <a:schemeClr val="lt1"/>
-          </a:fillRef>
-          <a:effectRef idx="0">
-            <a:schemeClr val="dk1"/>
-          </a:effectRef>
-          <a:fontRef idx="minor">
-            <a:schemeClr val="dk1"/>
-          </a:fontRef>
-        </p:style>
-        <p:txBody>
-          <a:bodyPr lIns="45719" rIns="45719" anchor="ctr"/>
-          <a:lstStyle>
-            <a:lvl1pPr algn="ctr">
-              <a:defRPr sz="2800">
-                <a:latin typeface="Gill Sans"/>
-                <a:ea typeface="Gill Sans"/>
-                <a:cs typeface="Gill Sans"/>
-                <a:sym typeface="Gill Sans"/>
-              </a:defRPr>
-            </a:lvl1pPr>
-          </a:lstStyle>
-          <a:p>
-            <a:r>
-              <a:rPr sz="2600" dirty="0"/>
-              <a:t>PCE</a:t>
-            </a:r>
-          </a:p>
-        </p:txBody>
-      </p:sp>
-      <p:sp>
-        <p:nvSpPr>
-          <p:cNvPr id="166" name="JSC"/>
-          <p:cNvSpPr/>
-          <p:nvPr/>
-        </p:nvSpPr>
-        <p:spPr>
-          <a:xfrm>
-            <a:off x="40886972" y="9661200"/>
-            <a:ext cx="1131677" cy="594360"/>
-          </a:xfrm>
-          <a:prstGeom prst="roundRect">
-            <a:avLst>
-              <a:gd name="adj" fmla="val 50000"/>
-            </a:avLst>
-          </a:prstGeom>
-          <a:ln w="63500">
-            <a:solidFill>
-              <a:schemeClr val="accent2"/>
-            </a:solidFill>
-          </a:ln>
-          <a:extLst>
-            <a:ext uri="{C572A759-6A51-4108-AA02-DFA0A04FC94B}">
-              <ma14:wrappingTextBoxFlag xmlns:ma14="http://schemas.microsoft.com/office/mac/drawingml/2011/main" xmlns:a14="http://schemas.microsoft.com/office/drawing/2010/main" xmlns:m="http://schemas.openxmlformats.org/officeDocument/2006/math" xmlns="" val="1"/>
-            </a:ext>
-          </a:extLst>
-        </p:spPr>
-        <p:style>
-          <a:lnRef idx="2">
-            <a:schemeClr val="dk1"/>
-          </a:lnRef>
-          <a:fillRef idx="1">
-            <a:schemeClr val="lt1"/>
-          </a:fillRef>
-          <a:effectRef idx="0">
-            <a:schemeClr val="dk1"/>
-          </a:effectRef>
-          <a:fontRef idx="minor">
-            <a:schemeClr val="dk1"/>
-          </a:fontRef>
-        </p:style>
-        <p:txBody>
-          <a:bodyPr lIns="45719" rIns="45719" anchor="ctr"/>
-          <a:lstStyle>
-            <a:lvl1pPr algn="ctr">
-              <a:defRPr sz="2800">
-                <a:latin typeface="Gill Sans"/>
-                <a:ea typeface="Gill Sans"/>
-                <a:cs typeface="Gill Sans"/>
-                <a:sym typeface="Gill Sans"/>
-              </a:defRPr>
-            </a:lvl1pPr>
-          </a:lstStyle>
-          <a:p>
-            <a:r>
-              <a:rPr sz="2600" dirty="0"/>
-              <a:t>JSC</a:t>
-            </a:r>
-          </a:p>
-        </p:txBody>
-      </p:sp>
-      <p:sp>
-        <p:nvSpPr>
-          <p:cNvPr id="167" name="VOC"/>
-          <p:cNvSpPr/>
-          <p:nvPr/>
-        </p:nvSpPr>
-        <p:spPr>
-          <a:xfrm>
-            <a:off x="41835128" y="8938684"/>
-            <a:ext cx="1241034" cy="594360"/>
-          </a:xfrm>
-          <a:prstGeom prst="roundRect">
-            <a:avLst>
-              <a:gd name="adj" fmla="val 50000"/>
-            </a:avLst>
-          </a:prstGeom>
-          <a:ln w="63500">
-            <a:solidFill>
-              <a:schemeClr val="accent2"/>
-            </a:solidFill>
-          </a:ln>
-          <a:extLst>
-            <a:ext uri="{C572A759-6A51-4108-AA02-DFA0A04FC94B}">
-              <ma14:wrappingTextBoxFlag xmlns:ma14="http://schemas.microsoft.com/office/mac/drawingml/2011/main" xmlns:a14="http://schemas.microsoft.com/office/drawing/2010/main" xmlns:m="http://schemas.openxmlformats.org/officeDocument/2006/math" xmlns="" val="1"/>
-            </a:ext>
-          </a:extLst>
-        </p:spPr>
-        <p:style>
-          <a:lnRef idx="2">
-            <a:schemeClr val="dk1"/>
-          </a:lnRef>
-          <a:fillRef idx="1">
-            <a:schemeClr val="lt1"/>
-          </a:fillRef>
-          <a:effectRef idx="0">
-            <a:schemeClr val="dk1"/>
-          </a:effectRef>
-          <a:fontRef idx="minor">
-            <a:schemeClr val="dk1"/>
-          </a:fontRef>
-        </p:style>
-        <p:txBody>
-          <a:bodyPr lIns="45719" rIns="45719" anchor="ctr"/>
-          <a:lstStyle>
-            <a:lvl1pPr algn="ctr">
-              <a:defRPr sz="2800">
-                <a:latin typeface="Gill Sans"/>
-                <a:ea typeface="Gill Sans"/>
-                <a:cs typeface="Gill Sans"/>
-                <a:sym typeface="Gill Sans"/>
-              </a:defRPr>
-            </a:lvl1pPr>
-          </a:lstStyle>
-          <a:p>
-            <a:r>
-              <a:rPr sz="2600" dirty="0"/>
-              <a:t>VOC</a:t>
-            </a:r>
-          </a:p>
-        </p:txBody>
-      </p:sp>
-      <p:sp>
-        <p:nvSpPr>
-          <p:cNvPr id="168" name="Step Order"/>
-          <p:cNvSpPr/>
-          <p:nvPr/>
-        </p:nvSpPr>
-        <p:spPr>
-          <a:xfrm>
-            <a:off x="37124558" y="9265387"/>
-            <a:ext cx="2085973" cy="594360"/>
-          </a:xfrm>
-          <a:prstGeom prst="roundRect">
-            <a:avLst>
-              <a:gd name="adj" fmla="val 50000"/>
-            </a:avLst>
-          </a:prstGeom>
-          <a:ln w="63500">
-            <a:solidFill>
-              <a:schemeClr val="accent1"/>
-            </a:solidFill>
-          </a:ln>
-          <a:extLst>
-            <a:ext uri="{C572A759-6A51-4108-AA02-DFA0A04FC94B}">
-              <ma14:wrappingTextBoxFlag xmlns:ma14="http://schemas.microsoft.com/office/mac/drawingml/2011/main" xmlns:a14="http://schemas.microsoft.com/office/drawing/2010/main" xmlns:m="http://schemas.openxmlformats.org/officeDocument/2006/math" xmlns="" val="1"/>
-            </a:ext>
-          </a:extLst>
-        </p:spPr>
-        <p:style>
-          <a:lnRef idx="2">
-            <a:schemeClr val="dk1"/>
-          </a:lnRef>
-          <a:fillRef idx="1">
-            <a:schemeClr val="lt1"/>
-          </a:fillRef>
-          <a:effectRef idx="0">
-            <a:schemeClr val="dk1"/>
-          </a:effectRef>
-          <a:fontRef idx="minor">
-            <a:schemeClr val="dk1"/>
-          </a:fontRef>
-        </p:style>
-        <p:txBody>
-          <a:bodyPr lIns="45719" rIns="45719" anchor="ctr"/>
-          <a:lstStyle>
-            <a:lvl1pPr algn="ctr">
-              <a:defRPr sz="2800">
-                <a:latin typeface="Gill Sans"/>
-                <a:ea typeface="Gill Sans"/>
-                <a:cs typeface="Gill Sans"/>
-                <a:sym typeface="Gill Sans"/>
-              </a:defRPr>
-            </a:lvl1pPr>
-          </a:lstStyle>
-          <a:p>
-            <a:r>
-              <a:rPr sz="2600" dirty="0"/>
-              <a:t>Step Order</a:t>
-            </a:r>
-          </a:p>
-        </p:txBody>
-      </p:sp>
       <p:sp>
         <p:nvSpPr>
           <p:cNvPr id="177" name="speed"/>
@@ -6555,72 +6555,6 @@
           </a:p>
         </p:txBody>
       </p:sp>
-      <p:sp>
-        <p:nvSpPr>
-          <p:cNvPr id="163" name="Synthesis"/>
-          <p:cNvSpPr/>
-          <p:nvPr/>
-        </p:nvSpPr>
-        <p:spPr>
-          <a:xfrm>
-            <a:off x="34435946" y="7896904"/>
-            <a:ext cx="1698959" cy="594360"/>
-          </a:xfrm>
-          <a:prstGeom prst="roundRect">
-            <a:avLst>
-              <a:gd name="adj" fmla="val 50000"/>
-            </a:avLst>
-          </a:prstGeom>
-          <a:solidFill>
-            <a:schemeClr val="bg1"/>
-          </a:solidFill>
-          <a:ln w="57150">
-            <a:solidFill>
-              <a:schemeClr val="accent1">
-                <a:lumMod val="75000"/>
-              </a:schemeClr>
-            </a:solidFill>
-          </a:ln>
-          <a:extLst>
-            <a:ext uri="{C572A759-6A51-4108-AA02-DFA0A04FC94B}">
-              <ma14:wrappingTextBoxFlag xmlns:ma14="http://schemas.microsoft.com/office/mac/drawingml/2011/main" xmlns:a14="http://schemas.microsoft.com/office/drawing/2010/main" xmlns:m="http://schemas.openxmlformats.org/officeDocument/2006/math" xmlns="" val="1"/>
-            </a:ext>
-          </a:extLst>
-        </p:spPr>
-        <p:style>
-          <a:lnRef idx="2">
-            <a:schemeClr val="dk1"/>
-          </a:lnRef>
-          <a:fillRef idx="1">
-            <a:schemeClr val="lt1"/>
-          </a:fillRef>
-          <a:effectRef idx="0">
-            <a:schemeClr val="dk1"/>
-          </a:effectRef>
-          <a:fontRef idx="minor">
-            <a:schemeClr val="dk1"/>
-          </a:fontRef>
-        </p:style>
-        <p:txBody>
-          <a:bodyPr lIns="45719" rIns="45719" anchor="ctr"/>
-          <a:lstStyle>
-            <a:lvl1pPr algn="ctr">
-              <a:defRPr sz="2800">
-                <a:latin typeface="Gill Sans"/>
-                <a:ea typeface="Gill Sans"/>
-                <a:cs typeface="Gill Sans"/>
-                <a:sym typeface="Gill Sans"/>
-              </a:defRPr>
-            </a:lvl1pPr>
-          </a:lstStyle>
-          <a:p>
-            <a:r>
-              <a:rPr dirty="0"/>
-              <a:t>Synthesis </a:t>
-            </a:r>
-          </a:p>
-        </p:txBody>
-      </p:sp>
       <p:cxnSp>
         <p:nvCxnSpPr>
           <p:cNvPr id="189" name="Straight Arrow Connector 188">
@@ -6919,69 +6853,6 @@
           </a:fontRef>
         </p:style>
       </p:cxnSp>
-      <p:sp>
-        <p:nvSpPr>
-          <p:cNvPr id="164" name="Device Performance"/>
-          <p:cNvSpPr/>
-          <p:nvPr/>
-        </p:nvSpPr>
-        <p:spPr>
-          <a:xfrm>
-            <a:off x="38907058" y="7901843"/>
-            <a:ext cx="3354059" cy="594360"/>
-          </a:xfrm>
-          <a:prstGeom prst="roundRect">
-            <a:avLst>
-              <a:gd name="adj" fmla="val 50000"/>
-            </a:avLst>
-          </a:prstGeom>
-          <a:ln w="57150">
-            <a:solidFill>
-              <a:schemeClr val="accent2">
-                <a:lumMod val="75000"/>
-              </a:schemeClr>
-            </a:solidFill>
-          </a:ln>
-          <a:extLst>
-            <a:ext uri="{C572A759-6A51-4108-AA02-DFA0A04FC94B}">
-              <ma14:wrappingTextBoxFlag xmlns:ma14="http://schemas.microsoft.com/office/mac/drawingml/2011/main" xmlns:a14="http://schemas.microsoft.com/office/drawing/2010/main" xmlns:m="http://schemas.openxmlformats.org/officeDocument/2006/math" xmlns="" val="1"/>
-            </a:ext>
-          </a:extLst>
-        </p:spPr>
-        <p:style>
-          <a:lnRef idx="2">
-            <a:schemeClr val="dk1"/>
-          </a:lnRef>
-          <a:fillRef idx="1">
-            <a:schemeClr val="lt1"/>
-          </a:fillRef>
-          <a:effectRef idx="0">
-            <a:schemeClr val="dk1"/>
-          </a:effectRef>
-          <a:fontRef idx="minor">
-            <a:schemeClr val="dk1"/>
-          </a:fontRef>
-        </p:style>
-        <p:txBody>
-          <a:bodyPr lIns="45719" rIns="45719" anchor="ctr"/>
-          <a:lstStyle>
-            <a:lvl1pPr algn="ctr">
-              <a:defRPr sz="2800">
-                <a:latin typeface="Gill Sans"/>
-                <a:ea typeface="Gill Sans"/>
-                <a:cs typeface="Gill Sans"/>
-                <a:sym typeface="Gill Sans"/>
-              </a:defRPr>
-            </a:lvl1pPr>
-          </a:lstStyle>
-          <a:p>
-            <a:r>
-              <a:rPr dirty="0"/>
-              <a:t>Device Performance</a:t>
-            </a:r>
-          </a:p>
-        </p:txBody>
-      </p:sp>
       <p:cxnSp>
         <p:nvCxnSpPr>
           <p:cNvPr id="199" name="Straight Arrow Connector 198">
@@ -7023,67 +6894,6 @@
           </a:fontRef>
         </p:style>
       </p:cxnSp>
-      <p:sp>
-        <p:nvSpPr>
-          <p:cNvPr id="162" name="Material Identifier"/>
-          <p:cNvSpPr/>
-          <p:nvPr/>
-        </p:nvSpPr>
-        <p:spPr>
-          <a:xfrm>
-            <a:off x="36021278" y="6984598"/>
-            <a:ext cx="3133806" cy="597353"/>
-          </a:xfrm>
-          <a:prstGeom prst="roundRect">
-            <a:avLst>
-              <a:gd name="adj" fmla="val 50000"/>
-            </a:avLst>
-          </a:prstGeom>
-          <a:ln w="63500">
-            <a:solidFill>
-              <a:srgbClr val="7030A0"/>
-            </a:solidFill>
-          </a:ln>
-          <a:extLst>
-            <a:ext uri="{C572A759-6A51-4108-AA02-DFA0A04FC94B}">
-              <ma14:wrappingTextBoxFlag xmlns:ma14="http://schemas.microsoft.com/office/mac/drawingml/2011/main" xmlns:a14="http://schemas.microsoft.com/office/drawing/2010/main" xmlns:m="http://schemas.openxmlformats.org/officeDocument/2006/math" xmlns="" val="1"/>
-            </a:ext>
-          </a:extLst>
-        </p:spPr>
-        <p:style>
-          <a:lnRef idx="2">
-            <a:schemeClr val="dk1"/>
-          </a:lnRef>
-          <a:fillRef idx="1">
-            <a:schemeClr val="lt1"/>
-          </a:fillRef>
-          <a:effectRef idx="0">
-            <a:schemeClr val="dk1"/>
-          </a:effectRef>
-          <a:fontRef idx="minor">
-            <a:schemeClr val="dk1"/>
-          </a:fontRef>
-        </p:style>
-        <p:txBody>
-          <a:bodyPr lIns="45719" rIns="45719" anchor="ctr"/>
-          <a:lstStyle>
-            <a:lvl1pPr algn="ctr">
-              <a:defRPr sz="2800">
-                <a:latin typeface="Gill Sans"/>
-                <a:ea typeface="Gill Sans"/>
-                <a:cs typeface="Gill Sans"/>
-                <a:sym typeface="Gill Sans"/>
-              </a:defRPr>
-            </a:lvl1pPr>
-          </a:lstStyle>
-          <a:p>
-            <a:r>
-              <a:rPr sz="3000" dirty="0"/>
-              <a:t>Material Identifier</a:t>
-            </a:r>
-          </a:p>
-        </p:txBody>
-      </p:sp>
       <p:grpSp>
         <p:nvGrpSpPr>
           <p:cNvPr id="217" name="Group 216">
@@ -7476,6 +7286,196 @@
           </a:fontRef>
         </p:style>
       </p:cxnSp>
+      <p:sp>
+        <p:nvSpPr>
+          <p:cNvPr id="162" name="Material Identifier"/>
+          <p:cNvSpPr/>
+          <p:nvPr/>
+        </p:nvSpPr>
+        <p:spPr>
+          <a:xfrm>
+            <a:off x="36021278" y="6984598"/>
+            <a:ext cx="3133806" cy="597353"/>
+          </a:xfrm>
+          <a:prstGeom prst="roundRect">
+            <a:avLst>
+              <a:gd name="adj" fmla="val 50000"/>
+            </a:avLst>
+          </a:prstGeom>
+          <a:ln w="63500">
+            <a:solidFill>
+              <a:srgbClr val="7030A0"/>
+            </a:solidFill>
+          </a:ln>
+          <a:extLst>
+            <a:ext uri="{C572A759-6A51-4108-AA02-DFA0A04FC94B}">
+              <ma14:wrappingTextBoxFlag xmlns:ma14="http://schemas.microsoft.com/office/mac/drawingml/2011/main" xmlns:a14="http://schemas.microsoft.com/office/drawing/2010/main" xmlns:m="http://schemas.openxmlformats.org/officeDocument/2006/math" xmlns="" val="1"/>
+            </a:ext>
+          </a:extLst>
+        </p:spPr>
+        <p:style>
+          <a:lnRef idx="2">
+            <a:schemeClr val="dk1"/>
+          </a:lnRef>
+          <a:fillRef idx="1">
+            <a:schemeClr val="lt1"/>
+          </a:fillRef>
+          <a:effectRef idx="0">
+            <a:schemeClr val="dk1"/>
+          </a:effectRef>
+          <a:fontRef idx="minor">
+            <a:schemeClr val="dk1"/>
+          </a:fontRef>
+        </p:style>
+        <p:txBody>
+          <a:bodyPr lIns="45719" rIns="45719" anchor="ctr"/>
+          <a:lstStyle>
+            <a:lvl1pPr algn="ctr">
+              <a:defRPr sz="2800">
+                <a:latin typeface="Gill Sans"/>
+                <a:ea typeface="Gill Sans"/>
+                <a:cs typeface="Gill Sans"/>
+                <a:sym typeface="Gill Sans"/>
+              </a:defRPr>
+            </a:lvl1pPr>
+          </a:lstStyle>
+          <a:p>
+            <a:r>
+              <a:rPr sz="3000" dirty="0"/>
+              <a:t>Material Identifier</a:t>
+            </a:r>
+          </a:p>
+        </p:txBody>
+      </p:sp>
+      <p:sp>
+        <p:nvSpPr>
+          <p:cNvPr id="163" name="Synthesis"/>
+          <p:cNvSpPr/>
+          <p:nvPr/>
+        </p:nvSpPr>
+        <p:spPr>
+          <a:xfrm>
+            <a:off x="34435946" y="7896904"/>
+            <a:ext cx="1698959" cy="594360"/>
+          </a:xfrm>
+          <a:prstGeom prst="roundRect">
+            <a:avLst>
+              <a:gd name="adj" fmla="val 50000"/>
+            </a:avLst>
+          </a:prstGeom>
+          <a:solidFill>
+            <a:schemeClr val="bg1"/>
+          </a:solidFill>
+          <a:ln w="57150">
+            <a:solidFill>
+              <a:schemeClr val="accent1">
+                <a:lumMod val="75000"/>
+              </a:schemeClr>
+            </a:solidFill>
+          </a:ln>
+          <a:extLst>
+            <a:ext uri="{C572A759-6A51-4108-AA02-DFA0A04FC94B}">
+              <ma14:wrappingTextBoxFlag xmlns:ma14="http://schemas.microsoft.com/office/mac/drawingml/2011/main" xmlns:a14="http://schemas.microsoft.com/office/drawing/2010/main" xmlns:m="http://schemas.openxmlformats.org/officeDocument/2006/math" xmlns="" val="1"/>
+            </a:ext>
+          </a:extLst>
+        </p:spPr>
+        <p:style>
+          <a:lnRef idx="2">
+            <a:schemeClr val="dk1"/>
+          </a:lnRef>
+          <a:fillRef idx="1">
+            <a:schemeClr val="lt1"/>
+          </a:fillRef>
+          <a:effectRef idx="0">
+            <a:schemeClr val="dk1"/>
+          </a:effectRef>
+          <a:fontRef idx="minor">
+            <a:schemeClr val="dk1"/>
+          </a:fontRef>
+        </p:style>
+        <p:txBody>
+          <a:bodyPr lIns="45719" rIns="45719" anchor="ctr"/>
+          <a:lstStyle>
+            <a:lvl1pPr algn="ctr">
+              <a:defRPr sz="2800">
+                <a:latin typeface="Gill Sans"/>
+                <a:ea typeface="Gill Sans"/>
+                <a:cs typeface="Gill Sans"/>
+                <a:sym typeface="Gill Sans"/>
+              </a:defRPr>
+            </a:lvl1pPr>
+          </a:lstStyle>
+          <a:p>
+            <a:r>
+              <a:rPr dirty="0"/>
+              <a:t>Synthesis </a:t>
+            </a:r>
+          </a:p>
+        </p:txBody>
+      </p:sp>
+      <p:sp>
+        <p:nvSpPr>
+          <p:cNvPr id="164" name="Device Performance"/>
+          <p:cNvSpPr/>
+          <p:nvPr/>
+        </p:nvSpPr>
+        <p:spPr>
+          <a:xfrm>
+            <a:off x="38907058" y="7901843"/>
+            <a:ext cx="3354059" cy="594360"/>
+          </a:xfrm>
+          <a:prstGeom prst="roundRect">
+            <a:avLst>
+              <a:gd name="adj" fmla="val 50000"/>
+            </a:avLst>
+          </a:prstGeom>
+          <a:ln w="57150">
+            <a:solidFill>
+              <a:schemeClr val="accent2">
+                <a:lumMod val="75000"/>
+              </a:schemeClr>
+            </a:solidFill>
+          </a:ln>
+          <a:extLst>
+            <a:ext uri="{C572A759-6A51-4108-AA02-DFA0A04FC94B}">
+              <ma14:wrappingTextBoxFlag xmlns:ma14="http://schemas.microsoft.com/office/mac/drawingml/2011/main" xmlns:a14="http://schemas.microsoft.com/office/drawing/2010/main" xmlns:m="http://schemas.openxmlformats.org/officeDocument/2006/math" xmlns="" val="1"/>
+            </a:ext>
+          </a:extLst>
+        </p:spPr>
+        <p:style>
+          <a:lnRef idx="2">
+            <a:schemeClr val="dk1"/>
+          </a:lnRef>
+          <a:fillRef idx="1">
+            <a:schemeClr val="lt1"/>
+          </a:fillRef>
+          <a:effectRef idx="0">
+            <a:schemeClr val="dk1"/>
+          </a:effectRef>
+          <a:fontRef idx="minor">
+            <a:schemeClr val="dk1"/>
+          </a:fontRef>
+        </p:style>
+        <p:txBody>
+          <a:bodyPr lIns="45719" rIns="45719" anchor="ctr"/>
+          <a:lstStyle>
+            <a:lvl1pPr algn="ctr">
+              <a:defRPr sz="2800">
+                <a:latin typeface="Gill Sans"/>
+                <a:ea typeface="Gill Sans"/>
+                <a:cs typeface="Gill Sans"/>
+                <a:sym typeface="Gill Sans"/>
+              </a:defRPr>
+            </a:lvl1pPr>
+          </a:lstStyle>
+          <a:p>
+            <a:r>
+              <a:rPr dirty="0"/>
+              <a:t>Device Performance</a:t>
+            </a:r>
+          </a:p>
+        </p:txBody>
+      </p:sp>
     </p:spTree>
   </p:cSld>
   <p:clrMapOvr>

--- a/presentations/Paper_Parser_Poster.pptx
+++ b/presentations/Paper_Parser_Poster.pptx
@@ -254,7 +254,7 @@
           <a:p>
             <a:fld id="{8A650380-BA87-410E-85F4-EC09A1176156}" type="datetimeFigureOut">
               <a:rPr lang="en-US" smtClean="0"/>
-              <a:t>2019-03-14</a:t>
+              <a:t>3/15/19</a:t>
             </a:fld>
             <a:endParaRPr lang="en-US"/>
           </a:p>
@@ -424,7 +424,7 @@
           <a:p>
             <a:fld id="{8A650380-BA87-410E-85F4-EC09A1176156}" type="datetimeFigureOut">
               <a:rPr lang="en-US" smtClean="0"/>
-              <a:t>2019-03-14</a:t>
+              <a:t>3/15/19</a:t>
             </a:fld>
             <a:endParaRPr lang="en-US"/>
           </a:p>
@@ -604,7 +604,7 @@
           <a:p>
             <a:fld id="{8A650380-BA87-410E-85F4-EC09A1176156}" type="datetimeFigureOut">
               <a:rPr lang="en-US" smtClean="0"/>
-              <a:t>2019-03-14</a:t>
+              <a:t>3/15/19</a:t>
             </a:fld>
             <a:endParaRPr lang="en-US"/>
           </a:p>
@@ -774,7 +774,7 @@
           <a:p>
             <a:fld id="{8A650380-BA87-410E-85F4-EC09A1176156}" type="datetimeFigureOut">
               <a:rPr lang="en-US" smtClean="0"/>
-              <a:t>2019-03-14</a:t>
+              <a:t>3/15/19</a:t>
             </a:fld>
             <a:endParaRPr lang="en-US"/>
           </a:p>
@@ -1018,7 +1018,7 @@
           <a:p>
             <a:fld id="{8A650380-BA87-410E-85F4-EC09A1176156}" type="datetimeFigureOut">
               <a:rPr lang="en-US" smtClean="0"/>
-              <a:t>2019-03-14</a:t>
+              <a:t>3/15/19</a:t>
             </a:fld>
             <a:endParaRPr lang="en-US"/>
           </a:p>
@@ -1250,7 +1250,7 @@
           <a:p>
             <a:fld id="{8A650380-BA87-410E-85F4-EC09A1176156}" type="datetimeFigureOut">
               <a:rPr lang="en-US" smtClean="0"/>
-              <a:t>2019-03-14</a:t>
+              <a:t>3/15/19</a:t>
             </a:fld>
             <a:endParaRPr lang="en-US"/>
           </a:p>
@@ -1617,7 +1617,7 @@
           <a:p>
             <a:fld id="{8A650380-BA87-410E-85F4-EC09A1176156}" type="datetimeFigureOut">
               <a:rPr lang="en-US" smtClean="0"/>
-              <a:t>2019-03-14</a:t>
+              <a:t>3/15/19</a:t>
             </a:fld>
             <a:endParaRPr lang="en-US"/>
           </a:p>
@@ -1735,7 +1735,7 @@
           <a:p>
             <a:fld id="{8A650380-BA87-410E-85F4-EC09A1176156}" type="datetimeFigureOut">
               <a:rPr lang="en-US" smtClean="0"/>
-              <a:t>2019-03-14</a:t>
+              <a:t>3/15/19</a:t>
             </a:fld>
             <a:endParaRPr lang="en-US"/>
           </a:p>
@@ -1830,7 +1830,7 @@
           <a:p>
             <a:fld id="{8A650380-BA87-410E-85F4-EC09A1176156}" type="datetimeFigureOut">
               <a:rPr lang="en-US" smtClean="0"/>
-              <a:t>2019-03-14</a:t>
+              <a:t>3/15/19</a:t>
             </a:fld>
             <a:endParaRPr lang="en-US"/>
           </a:p>
@@ -2107,7 +2107,7 @@
           <a:p>
             <a:fld id="{8A650380-BA87-410E-85F4-EC09A1176156}" type="datetimeFigureOut">
               <a:rPr lang="en-US" smtClean="0"/>
-              <a:t>2019-03-14</a:t>
+              <a:t>3/15/19</a:t>
             </a:fld>
             <a:endParaRPr lang="en-US"/>
           </a:p>
@@ -2364,7 +2364,7 @@
           <a:p>
             <a:fld id="{8A650380-BA87-410E-85F4-EC09A1176156}" type="datetimeFigureOut">
               <a:rPr lang="en-US" smtClean="0"/>
-              <a:t>2019-03-14</a:t>
+              <a:t>3/15/19</a:t>
             </a:fld>
             <a:endParaRPr lang="en-US"/>
           </a:p>
@@ -2577,7 +2577,7 @@
           <a:p>
             <a:fld id="{8A650380-BA87-410E-85F4-EC09A1176156}" type="datetimeFigureOut">
               <a:rPr lang="en-US" smtClean="0"/>
-              <a:t>2019-03-14</a:t>
+              <a:t>3/15/19</a:t>
             </a:fld>
             <a:endParaRPr lang="en-US"/>
           </a:p>
@@ -3911,7 +3911,7 @@
         <p:spPr>
           <a:xfrm>
             <a:off x="-12173" y="31653406"/>
-            <a:ext cx="43903373" cy="1222548"/>
+            <a:ext cx="33556227" cy="1222548"/>
           </a:xfrm>
           <a:prstGeom prst="rect">
             <a:avLst/>
@@ -9311,7 +9311,7 @@
           </a:ln>
           <a:extLst>
             <a:ext uri="{C572A759-6A51-4108-AA02-DFA0A04FC94B}">
-              <ma14:wrappingTextBoxFlag xmlns="" xmlns:m="http://schemas.openxmlformats.org/officeDocument/2006/math" xmlns:a14="http://schemas.microsoft.com/office/drawing/2010/main" xmlns:ma14="http://schemas.microsoft.com/office/mac/drawingml/2011/main" val="1"/>
+              <ma14:wrappingTextBoxFlag xmlns:ma14="http://schemas.microsoft.com/office/mac/drawingml/2011/main" xmlns:a14="http://schemas.microsoft.com/office/drawing/2010/main" xmlns:m="http://schemas.openxmlformats.org/officeDocument/2006/math" xmlns="" val="1"/>
             </a:ext>
           </a:extLst>
         </p:spPr>
@@ -9405,10 +9405,10 @@
         </p:nvGrpSpPr>
         <p:grpSpPr>
           <a:xfrm>
-            <a:off x="32512423" y="7318604"/>
-            <a:ext cx="10597332" cy="7618403"/>
-            <a:chOff x="32478830" y="6984598"/>
-            <a:chExt cx="10597332" cy="7618403"/>
+            <a:off x="32571417" y="7260124"/>
+            <a:ext cx="10597332" cy="7847003"/>
+            <a:chOff x="32478830" y="6755998"/>
+            <a:chExt cx="10597332" cy="7847003"/>
           </a:xfrm>
         </p:grpSpPr>
         <p:sp>
@@ -9479,7 +9479,7 @@
           </p:nvSpPr>
           <p:spPr>
             <a:xfrm>
-              <a:off x="36021278" y="6984598"/>
+              <a:off x="36021278" y="6755998"/>
               <a:ext cx="3133806" cy="597353"/>
             </a:xfrm>
             <a:prstGeom prst="roundRect">
@@ -9494,7 +9494,7 @@
             </a:ln>
             <a:extLst>
               <a:ext uri="{C572A759-6A51-4108-AA02-DFA0A04FC94B}">
-                <ma14:wrappingTextBoxFlag xmlns="" xmlns:m="http://schemas.openxmlformats.org/officeDocument/2006/math" xmlns:a14="http://schemas.microsoft.com/office/drawing/2010/main" xmlns:ma14="http://schemas.microsoft.com/office/mac/drawingml/2011/main" val="1"/>
+                <ma14:wrappingTextBoxFlag xmlns:ma14="http://schemas.microsoft.com/office/mac/drawingml/2011/main" xmlns:a14="http://schemas.microsoft.com/office/drawing/2010/main" xmlns:m="http://schemas.openxmlformats.org/officeDocument/2006/math" xmlns="" val="1"/>
               </a:ext>
             </a:extLst>
           </p:spPr>
@@ -9568,7 +9568,7 @@
             </a:ln>
             <a:extLst>
               <a:ext uri="{C572A759-6A51-4108-AA02-DFA0A04FC94B}">
-                <ma14:wrappingTextBoxFlag xmlns="" xmlns:m="http://schemas.openxmlformats.org/officeDocument/2006/math" xmlns:a14="http://schemas.microsoft.com/office/drawing/2010/main" xmlns:ma14="http://schemas.microsoft.com/office/mac/drawingml/2011/main" val="1"/>
+                <ma14:wrappingTextBoxFlag xmlns:ma14="http://schemas.microsoft.com/office/mac/drawingml/2011/main" xmlns:a14="http://schemas.microsoft.com/office/drawing/2010/main" xmlns:m="http://schemas.openxmlformats.org/officeDocument/2006/math" xmlns="" val="1"/>
               </a:ext>
             </a:extLst>
           </p:spPr>
@@ -9639,7 +9639,7 @@
             </a:ln>
             <a:extLst>
               <a:ext uri="{C572A759-6A51-4108-AA02-DFA0A04FC94B}">
-                <ma14:wrappingTextBoxFlag xmlns="" xmlns:m="http://schemas.openxmlformats.org/officeDocument/2006/math" xmlns:a14="http://schemas.microsoft.com/office/drawing/2010/main" xmlns:ma14="http://schemas.microsoft.com/office/mac/drawingml/2011/main" val="1"/>
+                <ma14:wrappingTextBoxFlag xmlns:ma14="http://schemas.microsoft.com/office/mac/drawingml/2011/main" xmlns:a14="http://schemas.microsoft.com/office/drawing/2010/main" xmlns:m="http://schemas.openxmlformats.org/officeDocument/2006/math" xmlns="" val="1"/>
               </a:ext>
             </a:extLst>
           </p:spPr>
@@ -9708,7 +9708,7 @@
             </a:ln>
             <a:extLst>
               <a:ext uri="{C572A759-6A51-4108-AA02-DFA0A04FC94B}">
-                <ma14:wrappingTextBoxFlag xmlns="" xmlns:m="http://schemas.openxmlformats.org/officeDocument/2006/math" xmlns:a14="http://schemas.microsoft.com/office/drawing/2010/main" xmlns:ma14="http://schemas.microsoft.com/office/mac/drawingml/2011/main" val="1"/>
+                <ma14:wrappingTextBoxFlag xmlns:ma14="http://schemas.microsoft.com/office/mac/drawingml/2011/main" xmlns:a14="http://schemas.microsoft.com/office/drawing/2010/main" xmlns:m="http://schemas.openxmlformats.org/officeDocument/2006/math" xmlns="" val="1"/>
               </a:ext>
             </a:extLst>
           </p:spPr>
@@ -9777,7 +9777,7 @@
             </a:ln>
             <a:extLst>
               <a:ext uri="{C572A759-6A51-4108-AA02-DFA0A04FC94B}">
-                <ma14:wrappingTextBoxFlag xmlns="" xmlns:m="http://schemas.openxmlformats.org/officeDocument/2006/math" xmlns:a14="http://schemas.microsoft.com/office/drawing/2010/main" xmlns:ma14="http://schemas.microsoft.com/office/mac/drawingml/2011/main" val="1"/>
+                <ma14:wrappingTextBoxFlag xmlns:ma14="http://schemas.microsoft.com/office/mac/drawingml/2011/main" xmlns:a14="http://schemas.microsoft.com/office/drawing/2010/main" xmlns:m="http://schemas.openxmlformats.org/officeDocument/2006/math" xmlns="" val="1"/>
               </a:ext>
             </a:extLst>
           </p:spPr>
@@ -9846,7 +9846,7 @@
             </a:ln>
             <a:extLst>
               <a:ext uri="{C572A759-6A51-4108-AA02-DFA0A04FC94B}">
-                <ma14:wrappingTextBoxFlag xmlns="" xmlns:m="http://schemas.openxmlformats.org/officeDocument/2006/math" xmlns:a14="http://schemas.microsoft.com/office/drawing/2010/main" xmlns:ma14="http://schemas.microsoft.com/office/mac/drawingml/2011/main" val="1"/>
+                <ma14:wrappingTextBoxFlag xmlns:ma14="http://schemas.microsoft.com/office/mac/drawingml/2011/main" xmlns:a14="http://schemas.microsoft.com/office/drawing/2010/main" xmlns:m="http://schemas.openxmlformats.org/officeDocument/2006/math" xmlns="" val="1"/>
               </a:ext>
             </a:extLst>
           </p:spPr>
@@ -9915,7 +9915,7 @@
             </a:ln>
             <a:extLst>
               <a:ext uri="{C572A759-6A51-4108-AA02-DFA0A04FC94B}">
-                <ma14:wrappingTextBoxFlag xmlns="" xmlns:m="http://schemas.openxmlformats.org/officeDocument/2006/math" xmlns:a14="http://schemas.microsoft.com/office/drawing/2010/main" xmlns:ma14="http://schemas.microsoft.com/office/mac/drawingml/2011/main" val="1"/>
+                <ma14:wrappingTextBoxFlag xmlns:ma14="http://schemas.microsoft.com/office/mac/drawingml/2011/main" xmlns:a14="http://schemas.microsoft.com/office/drawing/2010/main" xmlns:m="http://schemas.openxmlformats.org/officeDocument/2006/math" xmlns="" val="1"/>
               </a:ext>
             </a:extLst>
           </p:spPr>
@@ -9987,7 +9987,7 @@
             </a:ln>
             <a:extLst>
               <a:ext uri="{C572A759-6A51-4108-AA02-DFA0A04FC94B}">
-                <ma14:wrappingTextBoxFlag xmlns="" xmlns:m="http://schemas.openxmlformats.org/officeDocument/2006/math" xmlns:a14="http://schemas.microsoft.com/office/drawing/2010/main" xmlns:ma14="http://schemas.microsoft.com/office/mac/drawingml/2011/main" val="1"/>
+                <ma14:wrappingTextBoxFlag xmlns:ma14="http://schemas.microsoft.com/office/mac/drawingml/2011/main" xmlns:a14="http://schemas.microsoft.com/office/drawing/2010/main" xmlns:m="http://schemas.openxmlformats.org/officeDocument/2006/math" xmlns="" val="1"/>
               </a:ext>
             </a:extLst>
           </p:spPr>
@@ -10059,7 +10059,7 @@
             </a:ln>
             <a:extLst>
               <a:ext uri="{C572A759-6A51-4108-AA02-DFA0A04FC94B}">
-                <ma14:wrappingTextBoxFlag xmlns="" xmlns:m="http://schemas.openxmlformats.org/officeDocument/2006/math" xmlns:a14="http://schemas.microsoft.com/office/drawing/2010/main" xmlns:ma14="http://schemas.microsoft.com/office/mac/drawingml/2011/main" val="1"/>
+                <ma14:wrappingTextBoxFlag xmlns:ma14="http://schemas.microsoft.com/office/mac/drawingml/2011/main" xmlns:a14="http://schemas.microsoft.com/office/drawing/2010/main" xmlns:m="http://schemas.openxmlformats.org/officeDocument/2006/math" xmlns="" val="1"/>
               </a:ext>
             </a:extLst>
           </p:spPr>
@@ -10124,7 +10124,7 @@
             <a:ln/>
             <a:extLst>
               <a:ext uri="{C572A759-6A51-4108-AA02-DFA0A04FC94B}">
-                <ma14:wrappingTextBoxFlag xmlns="" xmlns:m="http://schemas.openxmlformats.org/officeDocument/2006/math" xmlns:a14="http://schemas.microsoft.com/office/drawing/2010/main" xmlns:ma14="http://schemas.microsoft.com/office/mac/drawingml/2011/main" val="1"/>
+                <ma14:wrappingTextBoxFlag xmlns:ma14="http://schemas.microsoft.com/office/mac/drawingml/2011/main" xmlns:a14="http://schemas.microsoft.com/office/drawing/2010/main" xmlns:m="http://schemas.openxmlformats.org/officeDocument/2006/math" xmlns="" val="1"/>
               </a:ext>
             </a:extLst>
           </p:spPr>
@@ -10196,7 +10196,7 @@
             </a:ln>
             <a:extLst>
               <a:ext uri="{C572A759-6A51-4108-AA02-DFA0A04FC94B}">
-                <ma14:wrappingTextBoxFlag xmlns="" xmlns:m="http://schemas.openxmlformats.org/officeDocument/2006/math" xmlns:a14="http://schemas.microsoft.com/office/drawing/2010/main" xmlns:ma14="http://schemas.microsoft.com/office/mac/drawingml/2011/main" val="1"/>
+                <ma14:wrappingTextBoxFlag xmlns:ma14="http://schemas.microsoft.com/office/mac/drawingml/2011/main" xmlns:a14="http://schemas.microsoft.com/office/drawing/2010/main" xmlns:m="http://schemas.openxmlformats.org/officeDocument/2006/math" xmlns="" val="1"/>
               </a:ext>
             </a:extLst>
           </p:spPr>
@@ -10266,7 +10266,7 @@
             </a:ln>
             <a:extLst>
               <a:ext uri="{C572A759-6A51-4108-AA02-DFA0A04FC94B}">
-                <ma14:wrappingTextBoxFlag xmlns="" xmlns:m="http://schemas.openxmlformats.org/officeDocument/2006/math" xmlns:a14="http://schemas.microsoft.com/office/drawing/2010/main" xmlns:ma14="http://schemas.microsoft.com/office/mac/drawingml/2011/main" val="1"/>
+                <ma14:wrappingTextBoxFlag xmlns:ma14="http://schemas.microsoft.com/office/mac/drawingml/2011/main" xmlns:a14="http://schemas.microsoft.com/office/drawing/2010/main" xmlns:m="http://schemas.openxmlformats.org/officeDocument/2006/math" xmlns="" val="1"/>
               </a:ext>
             </a:extLst>
           </p:spPr>
@@ -10349,7 +10349,7 @@
             <a:ln/>
             <a:extLst>
               <a:ext uri="{C572A759-6A51-4108-AA02-DFA0A04FC94B}">
-                <ma14:wrappingTextBoxFlag xmlns="" xmlns:m="http://schemas.openxmlformats.org/officeDocument/2006/math" xmlns:a14="http://schemas.microsoft.com/office/drawing/2010/main" xmlns:ma14="http://schemas.microsoft.com/office/mac/drawingml/2011/main" val="1"/>
+                <ma14:wrappingTextBoxFlag xmlns:ma14="http://schemas.microsoft.com/office/mac/drawingml/2011/main" xmlns:a14="http://schemas.microsoft.com/office/drawing/2010/main" xmlns:m="http://schemas.openxmlformats.org/officeDocument/2006/math" xmlns="" val="1"/>
               </a:ext>
             </a:extLst>
           </p:spPr>
@@ -10414,7 +10414,7 @@
             <a:ln/>
             <a:extLst>
               <a:ext uri="{C572A759-6A51-4108-AA02-DFA0A04FC94B}">
-                <ma14:wrappingTextBoxFlag xmlns="" xmlns:m="http://schemas.openxmlformats.org/officeDocument/2006/math" xmlns:a14="http://schemas.microsoft.com/office/drawing/2010/main" xmlns:ma14="http://schemas.microsoft.com/office/mac/drawingml/2011/main" val="1"/>
+                <ma14:wrappingTextBoxFlag xmlns:ma14="http://schemas.microsoft.com/office/mac/drawingml/2011/main" xmlns:a14="http://schemas.microsoft.com/office/drawing/2010/main" xmlns:m="http://schemas.openxmlformats.org/officeDocument/2006/math" xmlns="" val="1"/>
               </a:ext>
             </a:extLst>
           </p:spPr>
@@ -10479,7 +10479,7 @@
             <a:ln/>
             <a:extLst>
               <a:ext uri="{C572A759-6A51-4108-AA02-DFA0A04FC94B}">
-                <ma14:wrappingTextBoxFlag xmlns="" xmlns:m="http://schemas.openxmlformats.org/officeDocument/2006/math" xmlns:a14="http://schemas.microsoft.com/office/drawing/2010/main" xmlns:ma14="http://schemas.microsoft.com/office/mac/drawingml/2011/main" val="1"/>
+                <ma14:wrappingTextBoxFlag xmlns:ma14="http://schemas.microsoft.com/office/mac/drawingml/2011/main" xmlns:a14="http://schemas.microsoft.com/office/drawing/2010/main" xmlns:m="http://schemas.openxmlformats.org/officeDocument/2006/math" xmlns="" val="1"/>
               </a:ext>
             </a:extLst>
           </p:spPr>
@@ -10544,7 +10544,7 @@
             <a:ln/>
             <a:extLst>
               <a:ext uri="{C572A759-6A51-4108-AA02-DFA0A04FC94B}">
-                <ma14:wrappingTextBoxFlag xmlns="" xmlns:m="http://schemas.openxmlformats.org/officeDocument/2006/math" xmlns:a14="http://schemas.microsoft.com/office/drawing/2010/main" xmlns:ma14="http://schemas.microsoft.com/office/mac/drawingml/2011/main" val="1"/>
+                <ma14:wrappingTextBoxFlag xmlns:ma14="http://schemas.microsoft.com/office/mac/drawingml/2011/main" xmlns:a14="http://schemas.microsoft.com/office/drawing/2010/main" xmlns:m="http://schemas.openxmlformats.org/officeDocument/2006/math" xmlns="" val="1"/>
               </a:ext>
             </a:extLst>
           </p:spPr>
@@ -10609,7 +10609,7 @@
             <a:ln/>
             <a:extLst>
               <a:ext uri="{C572A759-6A51-4108-AA02-DFA0A04FC94B}">
-                <ma14:wrappingTextBoxFlag xmlns="" xmlns:m="http://schemas.openxmlformats.org/officeDocument/2006/math" xmlns:a14="http://schemas.microsoft.com/office/drawing/2010/main" xmlns:ma14="http://schemas.microsoft.com/office/mac/drawingml/2011/main" val="1"/>
+                <ma14:wrappingTextBoxFlag xmlns:ma14="http://schemas.microsoft.com/office/mac/drawingml/2011/main" xmlns:a14="http://schemas.microsoft.com/office/drawing/2010/main" xmlns:m="http://schemas.openxmlformats.org/officeDocument/2006/math" xmlns="" val="1"/>
               </a:ext>
             </a:extLst>
           </p:spPr>
@@ -10674,7 +10674,7 @@
             <a:ln/>
             <a:extLst>
               <a:ext uri="{C572A759-6A51-4108-AA02-DFA0A04FC94B}">
-                <ma14:wrappingTextBoxFlag xmlns="" xmlns:m="http://schemas.openxmlformats.org/officeDocument/2006/math" xmlns:a14="http://schemas.microsoft.com/office/drawing/2010/main" xmlns:ma14="http://schemas.microsoft.com/office/mac/drawingml/2011/main" val="1"/>
+                <ma14:wrappingTextBoxFlag xmlns:ma14="http://schemas.microsoft.com/office/mac/drawingml/2011/main" xmlns:a14="http://schemas.microsoft.com/office/drawing/2010/main" xmlns:m="http://schemas.openxmlformats.org/officeDocument/2006/math" xmlns="" val="1"/>
               </a:ext>
             </a:extLst>
           </p:spPr>
@@ -10730,8 +10730,8 @@
           </p:nvCxnSpPr>
           <p:spPr>
             <a:xfrm flipH="1">
-              <a:off x="35946082" y="7600013"/>
-              <a:ext cx="195203" cy="294307"/>
+              <a:off x="35946083" y="7367611"/>
+              <a:ext cx="188822" cy="526709"/>
             </a:xfrm>
             <a:prstGeom prst="straightConnector1">
               <a:avLst/>
@@ -11289,7 +11289,7 @@
             </a:ln>
             <a:extLst>
               <a:ext uri="{C572A759-6A51-4108-AA02-DFA0A04FC94B}">
-                <ma14:wrappingTextBoxFlag xmlns="" xmlns:m="http://schemas.openxmlformats.org/officeDocument/2006/math" xmlns:a14="http://schemas.microsoft.com/office/drawing/2010/main" xmlns:ma14="http://schemas.microsoft.com/office/mac/drawingml/2011/main" val="1"/>
+                <ma14:wrappingTextBoxFlag xmlns:ma14="http://schemas.microsoft.com/office/mac/drawingml/2011/main" xmlns:a14="http://schemas.microsoft.com/office/drawing/2010/main" xmlns:m="http://schemas.openxmlformats.org/officeDocument/2006/math" xmlns="" val="1"/>
               </a:ext>
             </a:extLst>
           </p:spPr>
@@ -11364,7 +11364,7 @@
             </a:ln>
             <a:extLst>
               <a:ext uri="{C572A759-6A51-4108-AA02-DFA0A04FC94B}">
-                <ma14:wrappingTextBoxFlag xmlns="" xmlns:m="http://schemas.openxmlformats.org/officeDocument/2006/math" xmlns:a14="http://schemas.microsoft.com/office/drawing/2010/main" xmlns:ma14="http://schemas.microsoft.com/office/mac/drawingml/2011/main" val="1"/>
+                <ma14:wrappingTextBoxFlag xmlns:ma14="http://schemas.microsoft.com/office/mac/drawingml/2011/main" xmlns:a14="http://schemas.microsoft.com/office/drawing/2010/main" xmlns:m="http://schemas.openxmlformats.org/officeDocument/2006/math" xmlns="" val="1"/>
               </a:ext>
             </a:extLst>
           </p:spPr>
@@ -11436,7 +11436,7 @@
             </a:ln>
             <a:extLst>
               <a:ext uri="{C572A759-6A51-4108-AA02-DFA0A04FC94B}">
-                <ma14:wrappingTextBoxFlag xmlns="" xmlns:m="http://schemas.openxmlformats.org/officeDocument/2006/math" xmlns:a14="http://schemas.microsoft.com/office/drawing/2010/main" xmlns:ma14="http://schemas.microsoft.com/office/mac/drawingml/2011/main" val="1"/>
+                <ma14:wrappingTextBoxFlag xmlns:ma14="http://schemas.microsoft.com/office/mac/drawingml/2011/main" xmlns:a14="http://schemas.microsoft.com/office/drawing/2010/main" xmlns:m="http://schemas.openxmlformats.org/officeDocument/2006/math" xmlns="" val="1"/>
               </a:ext>
             </a:extLst>
           </p:spPr>
@@ -11791,8 +11791,8 @@
           </p:nvCxnSpPr>
           <p:spPr>
             <a:xfrm>
-              <a:off x="39064367" y="7570033"/>
-              <a:ext cx="194872" cy="284813"/>
+              <a:off x="39034977" y="7353351"/>
+              <a:ext cx="224262" cy="501495"/>
             </a:xfrm>
             <a:prstGeom prst="straightConnector1">
               <a:avLst/>
@@ -11865,7 +11865,7 @@
               </a:ln>
               <a:extLst>
                 <a:ext uri="{C572A759-6A51-4108-AA02-DFA0A04FC94B}">
-                  <ma14:wrappingTextBoxFlag xmlns="" xmlns:m="http://schemas.openxmlformats.org/officeDocument/2006/math" xmlns:a14="http://schemas.microsoft.com/office/drawing/2010/main" xmlns:ma14="http://schemas.microsoft.com/office/mac/drawingml/2011/main" val="1"/>
+                  <ma14:wrappingTextBoxFlag xmlns:ma14="http://schemas.microsoft.com/office/mac/drawingml/2011/main" xmlns:a14="http://schemas.microsoft.com/office/drawing/2010/main" xmlns:m="http://schemas.openxmlformats.org/officeDocument/2006/math" xmlns="" val="1"/>
                 </a:ext>
               </a:extLst>
             </p:spPr>
@@ -11943,7 +11943,7 @@
               </a:ln>
               <a:extLst>
                 <a:ext uri="{C572A759-6A51-4108-AA02-DFA0A04FC94B}">
-                  <ma14:wrappingTextBoxFlag xmlns="" xmlns:m="http://schemas.openxmlformats.org/officeDocument/2006/math" xmlns:a14="http://schemas.microsoft.com/office/drawing/2010/main" xmlns:ma14="http://schemas.microsoft.com/office/mac/drawingml/2011/main" val="1"/>
+                  <ma14:wrappingTextBoxFlag xmlns:ma14="http://schemas.microsoft.com/office/mac/drawingml/2011/main" xmlns:a14="http://schemas.microsoft.com/office/drawing/2010/main" xmlns:m="http://schemas.openxmlformats.org/officeDocument/2006/math" xmlns="" val="1"/>
                 </a:ext>
               </a:extLst>
             </p:spPr>
@@ -12022,7 +12022,7 @@
               </a:ln>
               <a:extLst>
                 <a:ext uri="{C572A759-6A51-4108-AA02-DFA0A04FC94B}">
-                  <ma14:wrappingTextBoxFlag xmlns="" xmlns:m="http://schemas.openxmlformats.org/officeDocument/2006/math" xmlns:a14="http://schemas.microsoft.com/office/drawing/2010/main" xmlns:ma14="http://schemas.microsoft.com/office/mac/drawingml/2011/main" val="1"/>
+                  <ma14:wrappingTextBoxFlag xmlns:ma14="http://schemas.microsoft.com/office/mac/drawingml/2011/main" xmlns:a14="http://schemas.microsoft.com/office/drawing/2010/main" xmlns:m="http://schemas.openxmlformats.org/officeDocument/2006/math" xmlns="" val="1"/>
                 </a:ext>
               </a:extLst>
             </p:spPr>
@@ -12754,7 +12754,7 @@
         </p:blipFill>
         <p:spPr bwMode="auto">
           <a:xfrm>
-            <a:off x="2725626" y="25171914"/>
+            <a:off x="2725626" y="25286217"/>
             <a:ext cx="6676195" cy="6095366"/>
           </a:xfrm>
           <a:prstGeom prst="rect">
@@ -12823,8 +12823,8 @@
         </p:nvSpPr>
         <p:spPr>
           <a:xfrm>
-            <a:off x="607718" y="24502527"/>
-            <a:ext cx="10458312" cy="630942"/>
+            <a:off x="497813" y="24619039"/>
+            <a:ext cx="11162596" cy="630942"/>
           </a:xfrm>
           <a:prstGeom prst="rect">
             <a:avLst/>
@@ -12832,7 +12832,7 @@
           <a:noFill/>
         </p:spPr>
         <p:txBody>
-          <a:bodyPr wrap="none" rtlCol="0">
+          <a:bodyPr wrap="square" rtlCol="0">
             <a:spAutoFit/>
           </a:bodyPr>
           <a:lstStyle/>
@@ -13000,8 +13000,8 @@
         </p:blipFill>
         <p:spPr>
           <a:xfrm>
-            <a:off x="22493787" y="22604372"/>
-            <a:ext cx="9262235" cy="5032882"/>
+            <a:off x="22327061" y="22506470"/>
+            <a:ext cx="9622582" cy="5228686"/>
           </a:xfrm>
           <a:prstGeom prst="rect">
             <a:avLst/>
@@ -13757,7 +13757,7 @@
           </p:cNvPicPr>
           <p:nvPr/>
         </p:nvPicPr>
-        <p:blipFill>
+        <p:blipFill rotWithShape="1">
           <a:blip r:embed="rId13">
             <a:extLst>
               <a:ext uri="{28A0092B-C50C-407E-A947-70E740481C1C}">
@@ -13765,15 +13765,13 @@
               </a:ext>
             </a:extLst>
           </a:blip>
-          <a:srcRect/>
-          <a:stretch>
-            <a:fillRect/>
-          </a:stretch>
+          <a:srcRect b="16211"/>
+          <a:stretch/>
         </p:blipFill>
         <p:spPr bwMode="auto">
           <a:xfrm>
-            <a:off x="4056222" y="330861"/>
-            <a:ext cx="2576838" cy="3702058"/>
+            <a:off x="1847165" y="78446"/>
+            <a:ext cx="3733924" cy="4494786"/>
           </a:xfrm>
           <a:prstGeom prst="rect">
             <a:avLst/>
@@ -14570,7 +14568,7 @@
         </p:nvGrpSpPr>
         <p:grpSpPr>
           <a:xfrm>
-            <a:off x="36825087" y="834223"/>
+            <a:off x="38155799" y="1718327"/>
             <a:ext cx="4197905" cy="1446550"/>
             <a:chOff x="37603791" y="1496696"/>
             <a:chExt cx="4197905" cy="1446550"/>
@@ -15011,8 +15009,8 @@
         </p:blipFill>
         <p:spPr>
           <a:xfrm>
-            <a:off x="12327505" y="20168625"/>
-            <a:ext cx="9278245" cy="1949406"/>
+            <a:off x="12051516" y="20110639"/>
+            <a:ext cx="9830224" cy="2065378"/>
           </a:xfrm>
           <a:prstGeom prst="rect">
             <a:avLst/>
@@ -15047,8 +15045,8 @@
         </p:blipFill>
         <p:spPr>
           <a:xfrm>
-            <a:off x="12377291" y="22980917"/>
-            <a:ext cx="9178671" cy="1392626"/>
+            <a:off x="12017164" y="22926277"/>
+            <a:ext cx="9898926" cy="1501906"/>
           </a:xfrm>
           <a:prstGeom prst="rect">
             <a:avLst/>
